--- a/doc/jsct.pptx
+++ b/doc/jsct.pptx
@@ -1180,7 +1180,93 @@
           </a:bodyPr>
           <a:lstStyle/>
           <a:p>
-            <a:endParaRPr lang="en-IN"/>
+            <a:r>
+              <a:rPr lang="en-IN" dirty="0" smtClean="0"/>
+              <a:t>Without</a:t>
+            </a:r>
+            <a:r>
+              <a:rPr lang="en-IN" baseline="0" dirty="0" smtClean="0"/>
+              <a:t> </a:t>
+            </a:r>
+            <a:r>
+              <a:rPr lang="en-IN" baseline="0" dirty="0" err="1" smtClean="0"/>
+              <a:t>XssFilter</a:t>
+            </a:r>
+            <a:endParaRPr lang="en-IN" dirty="0" smtClean="0"/>
+          </a:p>
+          <a:p>
+            <a:pPr marL="457200" indent="-457200">
+              <a:buAutoNum type="arabicPeriod"/>
+            </a:pPr>
+            <a:r>
+              <a:rPr lang="en-IN" baseline="0" dirty="0" smtClean="0"/>
+              <a:t>&lt;script&gt;alert(‘hi’);&lt;/script&gt;</a:t>
+            </a:r>
+          </a:p>
+          <a:p>
+            <a:pPr marL="457200" indent="-457200">
+              <a:buAutoNum type="arabicPeriod"/>
+            </a:pPr>
+            <a:r>
+              <a:rPr lang="en-IN" baseline="0" dirty="0" smtClean="0"/>
+              <a:t>&lt;script&gt;console.info(</a:t>
+            </a:r>
+            <a:r>
+              <a:rPr lang="en-IN" baseline="0" dirty="0" err="1" smtClean="0"/>
+              <a:t>document.cookie</a:t>
+            </a:r>
+            <a:r>
+              <a:rPr lang="en-IN" baseline="0" dirty="0" smtClean="0"/>
+              <a:t>);&lt;/script&gt;</a:t>
+            </a:r>
+          </a:p>
+          <a:p>
+            <a:pPr marL="457200" indent="-457200">
+              <a:buAutoNum type="arabicPeriod"/>
+            </a:pPr>
+            <a:r>
+              <a:rPr lang="en-IN" baseline="0" dirty="0" smtClean="0"/>
+              <a:t>&lt;h2&gt;title&lt;/h2&gt;</a:t>
+            </a:r>
+          </a:p>
+          <a:p>
+            <a:pPr marL="0" indent="0">
+              <a:buNone/>
+            </a:pPr>
+            <a:r>
+              <a:rPr lang="en-IN" baseline="0" dirty="0" smtClean="0"/>
+              <a:t>4. Log on as another user</a:t>
+            </a:r>
+          </a:p>
+          <a:p>
+            <a:pPr marL="0" indent="0">
+              <a:buNone/>
+            </a:pPr>
+            <a:endParaRPr lang="en-IN" baseline="0" dirty="0" smtClean="0"/>
+          </a:p>
+          <a:p>
+            <a:pPr marL="0" indent="0">
+              <a:buNone/>
+            </a:pPr>
+            <a:r>
+              <a:rPr lang="en-IN" baseline="0" dirty="0" smtClean="0"/>
+              <a:t>Enable </a:t>
+            </a:r>
+            <a:r>
+              <a:rPr lang="en-IN" baseline="0" dirty="0" err="1" smtClean="0"/>
+              <a:t>XssFilter</a:t>
+            </a:r>
+            <a:endParaRPr lang="en-IN" baseline="0" dirty="0" smtClean="0"/>
+          </a:p>
+          <a:p>
+            <a:pPr marL="0" indent="0">
+              <a:buNone/>
+            </a:pPr>
+            <a:r>
+              <a:rPr lang="en-IN" baseline="0" dirty="0" smtClean="0"/>
+              <a:t>Try the above step again</a:t>
+            </a:r>
+            <a:endParaRPr lang="en-IN" dirty="0"/>
           </a:p>
         </p:txBody>
       </p:sp>
@@ -1216,6 +1302,138 @@
       </p:grpSpPr>
       <p:sp>
         <p:nvSpPr>
+          <p:cNvPr id="2" name="幻灯片图像占位符 1"/>
+          <p:cNvSpPr>
+            <a:spLocks noGrp="1" noRot="1" noChangeAspect="1"/>
+          </p:cNvSpPr>
+          <p:nvPr>
+            <p:ph type="sldImg"/>
+          </p:nvPr>
+        </p:nvSpPr>
+        <p:spPr/>
+      </p:sp>
+      <p:sp>
+        <p:nvSpPr>
+          <p:cNvPr id="3" name="备注占位符 2"/>
+          <p:cNvSpPr>
+            <a:spLocks noGrp="1"/>
+          </p:cNvSpPr>
+          <p:nvPr>
+            <p:ph type="body" idx="1"/>
+          </p:nvPr>
+        </p:nvSpPr>
+        <p:spPr/>
+        <p:txBody>
+          <a:bodyPr/>
+          <a:lstStyle/>
+          <a:p>
+            <a:pPr marL="457200" indent="-457200">
+              <a:buAutoNum type="arabicPeriod"/>
+            </a:pPr>
+            <a:r>
+              <a:rPr lang="en-GB" dirty="0" smtClean="0"/>
+              <a:t>Explain Alice</a:t>
+            </a:r>
+            <a:r>
+              <a:rPr lang="en-GB" baseline="0" dirty="0" smtClean="0"/>
+              <a:t> and Bob’s certificate exchange in a secure conversation</a:t>
+            </a:r>
+          </a:p>
+          <a:p>
+            <a:pPr marL="457200" indent="-457200">
+              <a:buAutoNum type="arabicPeriod"/>
+            </a:pPr>
+            <a:r>
+              <a:rPr lang="en-GB" baseline="0" dirty="0" smtClean="0"/>
+              <a:t>Put a man, Eve, in the middle pretending Bob</a:t>
+            </a:r>
+          </a:p>
+          <a:p>
+            <a:pPr marL="457200" indent="-457200">
+              <a:buAutoNum type="arabicPeriod"/>
+            </a:pPr>
+            <a:r>
+              <a:rPr lang="en-GB" baseline="0" dirty="0" smtClean="0"/>
+              <a:t>Use a https site to show that Fiddler2 is actually a man in the middle</a:t>
+            </a:r>
+          </a:p>
+          <a:p>
+            <a:pPr marL="457200" indent="-457200">
+              <a:buAutoNum type="arabicPeriod"/>
+            </a:pPr>
+            <a:r>
+              <a:rPr lang="en-GB" baseline="0" dirty="0" smtClean="0"/>
+              <a:t>To protect this vulnerability, we need exchange </a:t>
+            </a:r>
+          </a:p>
+          <a:p>
+            <a:pPr marL="457200" indent="-457200">
+              <a:buAutoNum type="arabicPeriod"/>
+            </a:pPr>
+            <a:r>
+              <a:rPr lang="en-GB" baseline="0" dirty="0" smtClean="0"/>
+              <a:t>Want to know more? Come to the training session on 20th</a:t>
+            </a:r>
+            <a:endParaRPr lang="en-GB" dirty="0"/>
+          </a:p>
+        </p:txBody>
+      </p:sp>
+      <p:sp>
+        <p:nvSpPr>
+          <p:cNvPr id="4" name="灯片编号占位符 3"/>
+          <p:cNvSpPr>
+            <a:spLocks noGrp="1"/>
+          </p:cNvSpPr>
+          <p:nvPr>
+            <p:ph type="sldNum" sz="quarter" idx="10"/>
+          </p:nvPr>
+        </p:nvSpPr>
+        <p:spPr/>
+        <p:txBody>
+          <a:bodyPr/>
+          <a:lstStyle/>
+          <a:p>
+            <a:pPr lvl="0"/>
+            <a:fld id="{975D5492-8BFF-44FE-8BB3-B6856B9EDE9F}" type="slidenum">
+              <a:rPr lang="en-GB" smtClean="0"/>
+              <a:t>5</a:t>
+            </a:fld>
+            <a:endParaRPr lang="en-GB"/>
+          </a:p>
+        </p:txBody>
+      </p:sp>
+    </p:spTree>
+    <p:extLst>
+      <p:ext uri="{BB962C8B-B14F-4D97-AF65-F5344CB8AC3E}">
+        <p14:creationId xmlns:p14="http://schemas.microsoft.com/office/powerpoint/2010/main" val="3168941374"/>
+      </p:ext>
+    </p:extLst>
+  </p:cSld>
+  <p:clrMapOvr>
+    <a:masterClrMapping/>
+  </p:clrMapOvr>
+</p:notes>
+</file>
+
+<file path=ppt/notesSlides/notesSlide6.xml><?xml version="1.0" encoding="utf-8"?>
+<p:notes xmlns:a="http://schemas.openxmlformats.org/drawingml/2006/main" xmlns:r="http://schemas.openxmlformats.org/officeDocument/2006/relationships" xmlns:p="http://schemas.openxmlformats.org/presentationml/2006/main">
+  <p:cSld>
+    <p:spTree>
+      <p:nvGrpSpPr>
+        <p:cNvPr id="1" name=""/>
+        <p:cNvGrpSpPr/>
+        <p:nvPr/>
+      </p:nvGrpSpPr>
+      <p:grpSpPr>
+        <a:xfrm>
+          <a:off x="0" y="0"/>
+          <a:ext cx="0" cy="0"/>
+          <a:chOff x="0" y="0"/>
+          <a:chExt cx="0" cy="0"/>
+        </a:xfrm>
+      </p:grpSpPr>
+      <p:sp>
+        <p:nvSpPr>
           <p:cNvPr id="7" name="灯片编号占位符 6"/>
           <p:cNvSpPr txBox="1">
             <a:spLocks noGrp="1"/>
@@ -1286,7 +1504,44 @@
           </a:bodyPr>
           <a:lstStyle/>
           <a:p>
-            <a:endParaRPr lang="en-IN"/>
+            <a:pPr marL="457200" indent="-457200">
+              <a:buAutoNum type="arabicPeriod"/>
+            </a:pPr>
+            <a:r>
+              <a:rPr lang="en-IN" dirty="0" smtClean="0"/>
+              <a:t>Show the step of</a:t>
+            </a:r>
+            <a:r>
+              <a:rPr lang="en-IN" baseline="0" dirty="0" smtClean="0"/>
+              <a:t> phishing a victim to visit my fake site</a:t>
+            </a:r>
+          </a:p>
+          <a:p>
+            <a:pPr marL="457200" indent="-457200">
+              <a:buAutoNum type="arabicPeriod"/>
+            </a:pPr>
+            <a:r>
+              <a:rPr lang="en-IN" baseline="0" dirty="0" smtClean="0"/>
+              <a:t>Ask how to resolve it</a:t>
+            </a:r>
+          </a:p>
+          <a:p>
+            <a:pPr marL="457200" indent="-457200">
+              <a:buAutoNum type="arabicPeriod"/>
+            </a:pPr>
+            <a:r>
+              <a:rPr lang="en-IN" baseline="0" dirty="0" smtClean="0"/>
+              <a:t>Suggest to use 2-factor authentication (OTP or </a:t>
+            </a:r>
+            <a:r>
+              <a:rPr lang="en-IN" baseline="0" dirty="0" err="1" smtClean="0"/>
+              <a:t>Typesense</a:t>
+            </a:r>
+            <a:r>
+              <a:rPr lang="en-IN" baseline="0" dirty="0" smtClean="0"/>
+              <a:t>)</a:t>
+            </a:r>
+            <a:endParaRPr lang="en-IN" dirty="0"/>
           </a:p>
         </p:txBody>
       </p:sp>
@@ -1294,6 +1549,91 @@
     <p:extLst>
       <p:ext uri="{BB962C8B-B14F-4D97-AF65-F5344CB8AC3E}">
         <p14:creationId xmlns:p14="http://schemas.microsoft.com/office/powerpoint/2010/main" val="2529611814"/>
+      </p:ext>
+    </p:extLst>
+  </p:cSld>
+  <p:clrMapOvr>
+    <a:masterClrMapping/>
+  </p:clrMapOvr>
+</p:notes>
+</file>
+
+<file path=ppt/notesSlides/notesSlide7.xml><?xml version="1.0" encoding="utf-8"?>
+<p:notes xmlns:a="http://schemas.openxmlformats.org/drawingml/2006/main" xmlns:r="http://schemas.openxmlformats.org/officeDocument/2006/relationships" xmlns:p="http://schemas.openxmlformats.org/presentationml/2006/main">
+  <p:cSld>
+    <p:spTree>
+      <p:nvGrpSpPr>
+        <p:cNvPr id="1" name=""/>
+        <p:cNvGrpSpPr/>
+        <p:nvPr/>
+      </p:nvGrpSpPr>
+      <p:grpSpPr>
+        <a:xfrm>
+          <a:off x="0" y="0"/>
+          <a:ext cx="0" cy="0"/>
+          <a:chOff x="0" y="0"/>
+          <a:chExt cx="0" cy="0"/>
+        </a:xfrm>
+      </p:grpSpPr>
+      <p:sp>
+        <p:nvSpPr>
+          <p:cNvPr id="2" name="幻灯片图像占位符 1"/>
+          <p:cNvSpPr>
+            <a:spLocks noGrp="1" noRot="1" noChangeAspect="1"/>
+          </p:cNvSpPr>
+          <p:nvPr>
+            <p:ph type="sldImg"/>
+          </p:nvPr>
+        </p:nvSpPr>
+        <p:spPr/>
+      </p:sp>
+      <p:sp>
+        <p:nvSpPr>
+          <p:cNvPr id="3" name="备注占位符 2"/>
+          <p:cNvSpPr>
+            <a:spLocks noGrp="1"/>
+          </p:cNvSpPr>
+          <p:nvPr>
+            <p:ph type="body" idx="1"/>
+          </p:nvPr>
+        </p:nvSpPr>
+        <p:spPr/>
+        <p:txBody>
+          <a:bodyPr/>
+          <a:lstStyle/>
+          <a:p>
+            <a:endParaRPr lang="en-GB" dirty="0"/>
+          </a:p>
+        </p:txBody>
+      </p:sp>
+      <p:sp>
+        <p:nvSpPr>
+          <p:cNvPr id="4" name="灯片编号占位符 3"/>
+          <p:cNvSpPr>
+            <a:spLocks noGrp="1"/>
+          </p:cNvSpPr>
+          <p:nvPr>
+            <p:ph type="sldNum" sz="quarter" idx="10"/>
+          </p:nvPr>
+        </p:nvSpPr>
+        <p:spPr/>
+        <p:txBody>
+          <a:bodyPr/>
+          <a:lstStyle/>
+          <a:p>
+            <a:pPr lvl="0"/>
+            <a:fld id="{975D5492-8BFF-44FE-8BB3-B6856B9EDE9F}" type="slidenum">
+              <a:rPr lang="en-GB" smtClean="0"/>
+              <a:t>7</a:t>
+            </a:fld>
+            <a:endParaRPr lang="en-GB"/>
+          </a:p>
+        </p:txBody>
+      </p:sp>
+    </p:spTree>
+    <p:extLst>
+      <p:ext uri="{BB962C8B-B14F-4D97-AF65-F5344CB8AC3E}">
+        <p14:creationId xmlns:p14="http://schemas.microsoft.com/office/powerpoint/2010/main" val="4141524181"/>
       </p:ext>
     </p:extLst>
   </p:cSld>
@@ -1685,7 +2025,7 @@
             <a:pPr lvl="0"/>
             <a:fld id="{41F1F1D7-4349-4B58-8B6D-85F1EEE59577}" type="datetime1">
               <a:rPr lang="en-GB" smtClean="0"/>
-              <a:t>22/09/2015</a:t>
+              <a:t>24/09/2015</a:t>
             </a:fld>
             <a:endParaRPr lang="en-GB"/>
           </a:p>
@@ -1954,7 +2294,7 @@
             <a:pPr lvl="0"/>
             <a:fld id="{02ED5710-69E9-4225-8EA2-9590F6C71A1E}" type="datetime1">
               <a:rPr lang="en-GB" smtClean="0"/>
-              <a:t>22/09/2015</a:t>
+              <a:t>24/09/2015</a:t>
             </a:fld>
             <a:endParaRPr lang="en-GB"/>
           </a:p>
@@ -2207,7 +2547,7 @@
             <a:pPr lvl="0"/>
             <a:fld id="{96002638-F4CA-451B-9F2C-0D8298E85E5A}" type="datetime1">
               <a:rPr lang="en-GB" smtClean="0"/>
-              <a:t>22/09/2015</a:t>
+              <a:t>24/09/2015</a:t>
             </a:fld>
             <a:endParaRPr lang="en-GB"/>
           </a:p>
@@ -2518,7 +2858,7 @@
             <a:pPr lvl="0"/>
             <a:fld id="{D6F04DC2-A776-409D-A225-5E4DB9B35D3E}" type="datetime1">
               <a:rPr lang="en-GB" smtClean="0"/>
-              <a:t>22/09/2015</a:t>
+              <a:t>24/09/2015</a:t>
             </a:fld>
             <a:endParaRPr lang="en-GB"/>
           </a:p>
@@ -2839,7 +3179,7 @@
             <a:pPr lvl="0"/>
             <a:fld id="{320FEE59-AAEB-4952-B524-CA8B82E76033}" type="datetime1">
               <a:rPr lang="en-GB" smtClean="0"/>
-              <a:t>22/09/2015</a:t>
+              <a:t>24/09/2015</a:t>
             </a:fld>
             <a:endParaRPr lang="en-GB"/>
           </a:p>
@@ -3144,7 +3484,7 @@
             <a:pPr lvl="0"/>
             <a:fld id="{24DFA245-FBB4-45CE-9CDE-0558C572CA1D}" type="datetime1">
               <a:rPr lang="en-GB" smtClean="0"/>
-              <a:t>22/09/2015</a:t>
+              <a:t>24/09/2015</a:t>
             </a:fld>
             <a:endParaRPr lang="en-GB"/>
           </a:p>
@@ -3514,7 +3854,7 @@
             <a:pPr lvl="0"/>
             <a:fld id="{1CB100FC-43A9-4085-9F72-384723C889D1}" type="datetime1">
               <a:rPr lang="en-GB" smtClean="0"/>
-              <a:t>22/09/2015</a:t>
+              <a:t>24/09/2015</a:t>
             </a:fld>
             <a:endParaRPr lang="en-GB"/>
           </a:p>
@@ -3703,7 +4043,7 @@
             <a:pPr lvl="0"/>
             <a:fld id="{82B653C1-F15A-42C8-8B84-7D15BBED0E9B}" type="datetime1">
               <a:rPr lang="en-GB" smtClean="0"/>
-              <a:t>22/09/2015</a:t>
+              <a:t>24/09/2015</a:t>
             </a:fld>
             <a:endParaRPr lang="en-GB"/>
           </a:p>
@@ -3892,7 +4232,7 @@
             <a:pPr lvl="0"/>
             <a:fld id="{822C5A4F-ACCF-44AB-B4F4-96F9328AA05A}" type="datetime1">
               <a:rPr lang="en-GB" smtClean="0"/>
-              <a:t>22/09/2015</a:t>
+              <a:t>24/09/2015</a:t>
             </a:fld>
             <a:endParaRPr lang="en-GB"/>
           </a:p>
@@ -4075,7 +4415,7 @@
             <a:pPr lvl="0"/>
             <a:fld id="{2074847D-BD8F-4BFC-BB47-C51D12543F2E}" type="datetime1">
               <a:rPr lang="en-GB" smtClean="0"/>
-              <a:t>22/09/2015</a:t>
+              <a:t>24/09/2015</a:t>
             </a:fld>
             <a:endParaRPr lang="en-GB"/>
           </a:p>
@@ -4328,7 +4668,7 @@
             <a:pPr lvl="0"/>
             <a:fld id="{5602532B-378D-4E5B-BEE5-AF3672FB55D7}" type="datetime1">
               <a:rPr lang="en-GB" smtClean="0"/>
-              <a:t>22/09/2015</a:t>
+              <a:t>24/09/2015</a:t>
             </a:fld>
             <a:endParaRPr lang="en-GB"/>
           </a:p>
@@ -4578,7 +4918,7 @@
             <a:pPr lvl="0"/>
             <a:fld id="{52F5F050-9E28-4BCF-8D01-F7AC832202C0}" type="datetime1">
               <a:rPr lang="en-GB" smtClean="0"/>
-              <a:t>22/09/2015</a:t>
+              <a:t>24/09/2015</a:t>
             </a:fld>
             <a:endParaRPr lang="en-GB"/>
           </a:p>
@@ -4970,7 +5310,7 @@
             <a:pPr lvl="0"/>
             <a:fld id="{0C165619-6BC0-479C-B9DD-57EF65B8FF67}" type="datetime1">
               <a:rPr lang="en-GB" smtClean="0"/>
-              <a:t>22/09/2015</a:t>
+              <a:t>24/09/2015</a:t>
             </a:fld>
             <a:endParaRPr lang="en-GB"/>
           </a:p>
@@ -5102,7 +5442,7 @@
             <a:pPr lvl="0"/>
             <a:fld id="{F2227772-7F1D-44EF-A87B-C545F972E880}" type="datetime1">
               <a:rPr lang="en-GB" smtClean="0"/>
-              <a:t>22/09/2015</a:t>
+              <a:t>24/09/2015</a:t>
             </a:fld>
             <a:endParaRPr lang="en-GB"/>
           </a:p>
@@ -5200,7 +5540,7 @@
             <a:pPr lvl="0"/>
             <a:fld id="{81BB31F5-A6F1-4E54-B7B1-358AB9105404}" type="datetime1">
               <a:rPr lang="en-GB" smtClean="0"/>
-              <a:t>22/09/2015</a:t>
+              <a:t>24/09/2015</a:t>
             </a:fld>
             <a:endParaRPr lang="en-GB"/>
           </a:p>
@@ -5458,7 +5798,7 @@
             <a:pPr lvl="0"/>
             <a:fld id="{A5080C05-CDE7-4A73-A8AB-8D94D69E3E3E}" type="datetime1">
               <a:rPr lang="en-GB" smtClean="0"/>
-              <a:t>22/09/2015</a:t>
+              <a:t>24/09/2015</a:t>
             </a:fld>
             <a:endParaRPr lang="en-GB"/>
           </a:p>
@@ -5744,7 +6084,7 @@
             <a:pPr lvl="0"/>
             <a:fld id="{BDBA41A5-4AC0-4305-B698-933A5C90A549}" type="datetime1">
               <a:rPr lang="en-GB" smtClean="0"/>
-              <a:t>22/09/2015</a:t>
+              <a:t>24/09/2015</a:t>
             </a:fld>
             <a:endParaRPr lang="en-GB"/>
           </a:p>
@@ -6158,7 +6498,7 @@
             <a:pPr lvl="0"/>
             <a:fld id="{5DDED4DB-336B-42A3-9901-79975F7B7A63}" type="datetime1">
               <a:rPr lang="en-GB" smtClean="0"/>
-              <a:t>22/09/2015</a:t>
+              <a:t>24/09/2015</a:t>
             </a:fld>
             <a:endParaRPr lang="en-GB"/>
           </a:p>
@@ -6719,7 +7059,7 @@
             <a:pPr lvl="0" algn="ctr"/>
             <a:fld id="{C0285524-B7FC-4F8B-BECD-8B87B90477AC}" type="datetime1">
               <a:rPr lang="en-GB" sz="1400" smtClean="0"/>
-              <a:t>22/09/2015</a:t>
+              <a:t>24/09/2015</a:t>
             </a:fld>
             <a:endParaRPr lang="en-GB" sz="1400" dirty="0"/>
           </a:p>
@@ -7121,7 +7461,7 @@
             <a:pPr lvl="0" algn="ctr"/>
             <a:fld id="{0D2826A7-A66B-4B5B-98A9-57641F24BA94}" type="datetime1">
               <a:rPr lang="en-GB" sz="1400" smtClean="0"/>
-              <a:t>22/09/2015</a:t>
+              <a:t>24/09/2015</a:t>
             </a:fld>
             <a:endParaRPr lang="en-GB" sz="1400" dirty="0"/>
           </a:p>
@@ -7774,7 +8114,7 @@
             <a:pPr lvl="0" algn="ctr"/>
             <a:fld id="{7494FFFA-40F1-4529-AC2E-CD6341706B16}" type="datetime1">
               <a:rPr lang="en-GB" sz="1400" smtClean="0"/>
-              <a:t>22/09/2015</a:t>
+              <a:t>24/09/2015</a:t>
             </a:fld>
             <a:endParaRPr lang="en-GB" sz="1400" dirty="0"/>
           </a:p>
@@ -8234,7 +8574,7 @@
             <a:pPr lvl="0" algn="ctr"/>
             <a:fld id="{7494FFFA-40F1-4529-AC2E-CD6341706B16}" type="datetime1">
               <a:rPr lang="en-GB" sz="1400" smtClean="0"/>
-              <a:t>22/09/2015</a:t>
+              <a:t>24/09/2015</a:t>
             </a:fld>
             <a:endParaRPr lang="en-GB" sz="1400" dirty="0"/>
           </a:p>
@@ -8568,7 +8908,7 @@
             <a:pPr lvl="0" algn="ctr"/>
             <a:fld id="{7494FFFA-40F1-4529-AC2E-CD6341706B16}" type="datetime1">
               <a:rPr lang="en-GB" sz="1400" smtClean="0"/>
-              <a:t>22/09/2015</a:t>
+              <a:t>24/09/2015</a:t>
             </a:fld>
             <a:endParaRPr lang="en-GB" sz="1400" dirty="0"/>
           </a:p>
@@ -8899,7 +9239,7 @@
             <a:pPr lvl="0" algn="ctr"/>
             <a:fld id="{7494FFFA-40F1-4529-AC2E-CD6341706B16}" type="datetime1">
               <a:rPr lang="en-GB" sz="1400" smtClean="0"/>
-              <a:t>22/09/2015</a:t>
+              <a:t>24/09/2015</a:t>
             </a:fld>
             <a:endParaRPr lang="en-GB" sz="1400" dirty="0"/>
           </a:p>
@@ -9295,7 +9635,7 @@
             <a:pPr lvl="0" algn="ctr"/>
             <a:fld id="{7494FFFA-40F1-4529-AC2E-CD6341706B16}" type="datetime1">
               <a:rPr lang="en-GB" sz="1400" smtClean="0"/>
-              <a:t>22/09/2015</a:t>
+              <a:t>24/09/2015</a:t>
             </a:fld>
             <a:endParaRPr lang="en-GB" sz="1400" dirty="0"/>
           </a:p>

--- a/doc/jsct.pptx
+++ b/doc/jsct.pptx
@@ -5,10 +5,10 @@
     <p:sldMasterId id="2147483707" r:id="rId1"/>
   </p:sldMasterIdLst>
   <p:notesMasterIdLst>
-    <p:notesMasterId r:id="rId9"/>
+    <p:notesMasterId r:id="rId12"/>
   </p:notesMasterIdLst>
   <p:handoutMasterIdLst>
-    <p:handoutMasterId r:id="rId10"/>
+    <p:handoutMasterId r:id="rId13"/>
   </p:handoutMasterIdLst>
   <p:sldIdLst>
     <p:sldId id="256" r:id="rId2"/>
@@ -16,8 +16,11 @@
     <p:sldId id="258" r:id="rId4"/>
     <p:sldId id="259" r:id="rId5"/>
     <p:sldId id="261" r:id="rId6"/>
-    <p:sldId id="260" r:id="rId7"/>
-    <p:sldId id="262" r:id="rId8"/>
+    <p:sldId id="263" r:id="rId7"/>
+    <p:sldId id="264" r:id="rId8"/>
+    <p:sldId id="265" r:id="rId9"/>
+    <p:sldId id="260" r:id="rId10"/>
+    <p:sldId id="262" r:id="rId11"/>
   </p:sldIdLst>
   <p:sldSz cx="10080625" cy="7559675"/>
   <p:notesSz cx="7559675" cy="10691813"/>
@@ -826,7 +829,27 @@
           </a:bodyPr>
           <a:lstStyle/>
           <a:p>
-            <a:endParaRPr lang="en-IN"/>
+            <a:r>
+              <a:rPr lang="en-IN" dirty="0" smtClean="0"/>
+              <a:t>Security</a:t>
+            </a:r>
+            <a:r>
+              <a:rPr lang="en-IN" baseline="0" dirty="0" smtClean="0"/>
+              <a:t> is a very big topic</a:t>
+            </a:r>
+          </a:p>
+          <a:p>
+            <a:r>
+              <a:rPr lang="en-IN" baseline="0" dirty="0" smtClean="0"/>
+              <a:t>Today we are going to focus on web applications only</a:t>
+            </a:r>
+          </a:p>
+          <a:p>
+            <a:r>
+              <a:rPr lang="en-IN" baseline="0" dirty="0" smtClean="0"/>
+              <a:t>I’ll show you a few attacks and how to defence them by couple of demos</a:t>
+            </a:r>
+            <a:endParaRPr lang="en-IN" dirty="0"/>
           </a:p>
         </p:txBody>
       </p:sp>
@@ -834,6 +857,134 @@
     <p:extLst>
       <p:ext uri="{BB962C8B-B14F-4D97-AF65-F5344CB8AC3E}">
         <p14:creationId xmlns:p14="http://schemas.microsoft.com/office/powerpoint/2010/main" val="2099011235"/>
+      </p:ext>
+    </p:extLst>
+  </p:cSld>
+  <p:clrMapOvr>
+    <a:masterClrMapping/>
+  </p:clrMapOvr>
+</p:notes>
+</file>
+
+<file path=ppt/notesSlides/notesSlide10.xml><?xml version="1.0" encoding="utf-8"?>
+<p:notes xmlns:a="http://schemas.openxmlformats.org/drawingml/2006/main" xmlns:r="http://schemas.openxmlformats.org/officeDocument/2006/relationships" xmlns:p="http://schemas.openxmlformats.org/presentationml/2006/main">
+  <p:cSld>
+    <p:spTree>
+      <p:nvGrpSpPr>
+        <p:cNvPr id="1" name=""/>
+        <p:cNvGrpSpPr/>
+        <p:nvPr/>
+      </p:nvGrpSpPr>
+      <p:grpSpPr>
+        <a:xfrm>
+          <a:off x="0" y="0"/>
+          <a:ext cx="0" cy="0"/>
+          <a:chOff x="0" y="0"/>
+          <a:chExt cx="0" cy="0"/>
+        </a:xfrm>
+      </p:grpSpPr>
+      <p:sp>
+        <p:nvSpPr>
+          <p:cNvPr id="2" name="幻灯片图像占位符 1"/>
+          <p:cNvSpPr>
+            <a:spLocks noGrp="1" noRot="1" noChangeAspect="1"/>
+          </p:cNvSpPr>
+          <p:nvPr>
+            <p:ph type="sldImg"/>
+          </p:nvPr>
+        </p:nvSpPr>
+        <p:spPr>
+          <a:xfrm>
+            <a:off x="1106488" y="812800"/>
+            <a:ext cx="5345112" cy="4008438"/>
+          </a:xfrm>
+        </p:spPr>
+      </p:sp>
+      <p:sp>
+        <p:nvSpPr>
+          <p:cNvPr id="3" name="备注占位符 2"/>
+          <p:cNvSpPr>
+            <a:spLocks noGrp="1"/>
+          </p:cNvSpPr>
+          <p:nvPr>
+            <p:ph type="body" idx="1"/>
+          </p:nvPr>
+        </p:nvSpPr>
+        <p:spPr/>
+        <p:txBody>
+          <a:bodyPr/>
+          <a:lstStyle/>
+          <a:p>
+            <a:r>
+              <a:rPr lang="en-GB" dirty="0" smtClean="0"/>
+              <a:t>SHA-1 not safe</a:t>
+            </a:r>
+            <a:r>
+              <a:rPr lang="en-GB" baseline="0" dirty="0" smtClean="0"/>
+              <a:t> any more, must be changed!!!</a:t>
+            </a:r>
+          </a:p>
+          <a:p>
+            <a:r>
+              <a:rPr lang="en-GB" baseline="0" dirty="0" smtClean="0"/>
+              <a:t>In CALMS, some </a:t>
+            </a:r>
+            <a:r>
+              <a:rPr lang="en-GB" baseline="0" dirty="0" err="1" smtClean="0"/>
+              <a:t>ajax</a:t>
+            </a:r>
+            <a:r>
+              <a:rPr lang="en-GB" baseline="0" dirty="0" smtClean="0"/>
+              <a:t> handler lack of authentication,  e.g. xml downloading</a:t>
+            </a:r>
+          </a:p>
+          <a:p>
+            <a:r>
+              <a:rPr lang="en-GB" baseline="0" dirty="0" smtClean="0"/>
+              <a:t>Must add 2</a:t>
+            </a:r>
+            <a:r>
+              <a:rPr lang="en-GB" baseline="30000" dirty="0" smtClean="0"/>
+              <a:t>nd</a:t>
+            </a:r>
+            <a:r>
+              <a:rPr lang="en-GB" baseline="0" dirty="0" smtClean="0"/>
+              <a:t> factor when logging on</a:t>
+            </a:r>
+          </a:p>
+          <a:p>
+            <a:endParaRPr lang="en-GB" dirty="0"/>
+          </a:p>
+        </p:txBody>
+      </p:sp>
+      <p:sp>
+        <p:nvSpPr>
+          <p:cNvPr id="4" name="灯片编号占位符 3"/>
+          <p:cNvSpPr>
+            <a:spLocks noGrp="1"/>
+          </p:cNvSpPr>
+          <p:nvPr>
+            <p:ph type="sldNum" sz="quarter" idx="10"/>
+          </p:nvPr>
+        </p:nvSpPr>
+        <p:spPr/>
+        <p:txBody>
+          <a:bodyPr/>
+          <a:lstStyle/>
+          <a:p>
+            <a:pPr lvl="0"/>
+            <a:fld id="{975D5492-8BFF-44FE-8BB3-B6856B9EDE9F}" type="slidenum">
+              <a:rPr lang="en-GB" smtClean="0"/>
+              <a:t>10</a:t>
+            </a:fld>
+            <a:endParaRPr lang="en-GB"/>
+          </a:p>
+        </p:txBody>
+      </p:sp>
+    </p:spTree>
+    <p:extLst>
+      <p:ext uri="{BB962C8B-B14F-4D97-AF65-F5344CB8AC3E}">
+        <p14:creationId xmlns:p14="http://schemas.microsoft.com/office/powerpoint/2010/main" val="4141524181"/>
       </p:ext>
     </p:extLst>
   </p:cSld>
@@ -1072,7 +1223,23 @@
             </a:r>
             <a:r>
               <a:rPr lang="en-IN" baseline="0" dirty="0" smtClean="0"/>
-              <a:t> values(‘hacker’, ‘123’)</a:t>
+              <a:t> values(‘hacker’, ‘123’);select * from </a:t>
+            </a:r>
+            <a:r>
+              <a:rPr lang="en-IN" baseline="0" dirty="0" err="1" smtClean="0"/>
+              <a:t>tblUser</a:t>
+            </a:r>
+            <a:r>
+              <a:rPr lang="en-IN" baseline="0" dirty="0" smtClean="0"/>
+              <a:t> where Password = ‘</a:t>
+            </a:r>
+            <a:r>
+              <a:rPr lang="en-IN" baseline="0" dirty="0" err="1" smtClean="0"/>
+              <a:t>abc</a:t>
+            </a:r>
+            <a:r>
+              <a:rPr lang="en-IN" baseline="0" smtClean="0"/>
+              <a:t>’</a:t>
             </a:r>
             <a:endParaRPr lang="en-IN" dirty="0" smtClean="0"/>
           </a:p>
@@ -1266,6 +1433,26 @@
               <a:rPr lang="en-IN" baseline="0" dirty="0" smtClean="0"/>
               <a:t>Try the above step again</a:t>
             </a:r>
+          </a:p>
+          <a:p>
+            <a:pPr marL="0" indent="0">
+              <a:buNone/>
+            </a:pPr>
+            <a:endParaRPr lang="en-IN" baseline="0" dirty="0" smtClean="0"/>
+          </a:p>
+          <a:p>
+            <a:pPr marL="0" indent="0">
+              <a:buNone/>
+            </a:pPr>
+            <a:r>
+              <a:rPr lang="en-IN" baseline="0" dirty="0" smtClean="0"/>
+              <a:t>Introduce input validation in CALMS:</a:t>
+            </a:r>
+          </a:p>
+          <a:p>
+            <a:pPr marL="0" indent="0">
+              <a:buNone/>
+            </a:pPr>
             <a:endParaRPr lang="en-IN" dirty="0"/>
           </a:p>
         </p:txBody>
@@ -1310,22 +1497,41 @@
             <p:ph type="sldImg"/>
           </p:nvPr>
         </p:nvSpPr>
+        <p:spPr>
+          <a:xfrm>
+            <a:off x="1106488" y="812800"/>
+            <a:ext cx="5345112" cy="4008438"/>
+          </a:xfrm>
+        </p:spPr>
+      </p:sp>
+      <p:sp>
+        <p:nvSpPr>
+          <p:cNvPr id="3" name="备注占位符 2"/>
+          <p:cNvSpPr>
+            <a:spLocks noGrp="1"/>
+          </p:cNvSpPr>
+          <p:nvPr>
+            <p:ph type="body" idx="1"/>
+          </p:nvPr>
+        </p:nvSpPr>
         <p:spPr/>
-      </p:sp>
-      <p:sp>
-        <p:nvSpPr>
-          <p:cNvPr id="3" name="备注占位符 2"/>
-          <p:cNvSpPr>
-            <a:spLocks noGrp="1"/>
-          </p:cNvSpPr>
-          <p:nvPr>
-            <p:ph type="body" idx="1"/>
-          </p:nvPr>
-        </p:nvSpPr>
-        <p:spPr/>
         <p:txBody>
           <a:bodyPr/>
           <a:lstStyle/>
+          <a:p>
+            <a:pPr marL="457200" indent="-457200">
+              <a:buAutoNum type="arabicPeriod"/>
+            </a:pPr>
+            <a:r>
+              <a:rPr lang="en-GB" dirty="0" smtClean="0"/>
+              <a:t>There are few different</a:t>
+            </a:r>
+            <a:r>
+              <a:rPr lang="en-GB" baseline="0" dirty="0" smtClean="0"/>
+              <a:t> ways to do man in the middle: sniffing, acting as a proxy(D-F key exchange, SSL striping), phishing(show it later)</a:t>
+            </a:r>
+            <a:endParaRPr lang="en-GB" dirty="0" smtClean="0"/>
+          </a:p>
           <a:p>
             <a:pPr marL="457200" indent="-457200">
               <a:buAutoNum type="arabicPeriod"/>
@@ -1434,121 +1640,113 @@
       </p:grpSpPr>
       <p:sp>
         <p:nvSpPr>
-          <p:cNvPr id="7" name="灯片编号占位符 6"/>
-          <p:cNvSpPr txBox="1">
-            <a:spLocks noGrp="1"/>
-          </p:cNvSpPr>
-          <p:nvPr>
-            <p:ph type="sldNum" sz="quarter" idx="5"/>
-          </p:nvPr>
-        </p:nvSpPr>
-        <p:spPr>
-          <a:ln/>
-        </p:spPr>
-        <p:txBody>
-          <a:bodyPr lIns="0" tIns="0" rIns="0" bIns="0" anchor="b">
-            <a:noAutofit/>
-          </a:bodyPr>
-          <a:lstStyle/>
-          <a:p>
-            <a:pPr lvl="0"/>
-            <a:fld id="{79F34DD0-CAE3-4A13-BD72-94C7B0561B70}" type="slidenum">
-              <a:t>6</a:t>
-            </a:fld>
-            <a:endParaRPr lang="en-IN"/>
-          </a:p>
-        </p:txBody>
-      </p:sp>
-      <p:sp>
-        <p:nvSpPr>
           <p:cNvPr id="2" name="幻灯片图像占位符 1"/>
           <p:cNvSpPr>
-            <a:spLocks noGrp="1" noRot="1" noChangeAspect="1" noResize="1"/>
+            <a:spLocks noGrp="1" noRot="1" noChangeAspect="1"/>
           </p:cNvSpPr>
           <p:nvPr>
             <p:ph type="sldImg"/>
           </p:nvPr>
         </p:nvSpPr>
-        <p:spPr>
-          <a:xfrm>
-            <a:off x="1106488" y="812800"/>
-            <a:ext cx="5345112" cy="4008438"/>
-          </a:xfrm>
-          <a:solidFill>
-            <a:schemeClr val="accent1"/>
-          </a:solidFill>
-          <a:ln w="25400">
-            <a:solidFill>
-              <a:schemeClr val="accent1">
-                <a:shade val="50000"/>
-              </a:schemeClr>
-            </a:solidFill>
-            <a:prstDash val="solid"/>
-          </a:ln>
-        </p:spPr>
+        <p:spPr/>
       </p:sp>
       <p:sp>
         <p:nvSpPr>
           <p:cNvPr id="3" name="备注占位符 2"/>
-          <p:cNvSpPr txBox="1">
-            <a:spLocks noGrp="1"/>
-          </p:cNvSpPr>
-          <p:nvPr>
-            <p:ph type="body" sz="quarter" idx="1"/>
+          <p:cNvSpPr>
+            <a:spLocks noGrp="1"/>
+          </p:cNvSpPr>
+          <p:nvPr>
+            <p:ph type="body" idx="1"/>
           </p:nvPr>
         </p:nvSpPr>
         <p:spPr/>
         <p:txBody>
-          <a:bodyPr>
-            <a:spAutoFit/>
-          </a:bodyPr>
-          <a:lstStyle/>
+          <a:bodyPr/>
+          <a:lstStyle/>
+          <a:p>
+            <a:r>
+              <a:rPr lang="en-GB" sz="2000" b="0" i="0" u="none" strike="noStrike" kern="1200" dirty="0" smtClean="0">
+                <a:ln>
+                  <a:noFill/>
+                </a:ln>
+                <a:effectLst/>
+                <a:latin typeface="Arial" pitchFamily="18"/>
+                <a:ea typeface="SimSun" pitchFamily="2"/>
+              </a:rPr>
+              <a:t>symmetric encryption</a:t>
+            </a:r>
+            <a:r>
+              <a:rPr lang="en-GB" sz="2000" b="0" i="0" u="none" strike="noStrike" kern="1200" baseline="0" dirty="0" smtClean="0">
+                <a:ln>
+                  <a:noFill/>
+                </a:ln>
+                <a:effectLst/>
+                <a:latin typeface="Arial" pitchFamily="18"/>
+                <a:ea typeface="SimSun" pitchFamily="2"/>
+              </a:rPr>
+              <a:t> have to send the key out, which is extremely insecure</a:t>
+            </a:r>
+          </a:p>
           <a:p>
             <a:pPr marL="457200" indent="-457200">
               <a:buAutoNum type="arabicPeriod"/>
             </a:pPr>
-            <a:r>
-              <a:rPr lang="en-IN" dirty="0" smtClean="0"/>
-              <a:t>Show the step of</a:t>
-            </a:r>
-            <a:r>
-              <a:rPr lang="en-IN" baseline="0" dirty="0" smtClean="0"/>
-              <a:t> phishing a victim to visit my fake site</a:t>
-            </a:r>
-          </a:p>
-          <a:p>
-            <a:pPr marL="457200" indent="-457200">
-              <a:buAutoNum type="arabicPeriod"/>
-            </a:pPr>
-            <a:r>
-              <a:rPr lang="en-IN" baseline="0" dirty="0" smtClean="0"/>
-              <a:t>Ask how to resolve it</a:t>
-            </a:r>
-          </a:p>
-          <a:p>
-            <a:pPr marL="457200" indent="-457200">
-              <a:buAutoNum type="arabicPeriod"/>
-            </a:pPr>
-            <a:r>
-              <a:rPr lang="en-IN" baseline="0" dirty="0" smtClean="0"/>
-              <a:t>Suggest to use 2-factor authentication (OTP or </a:t>
-            </a:r>
-            <a:r>
-              <a:rPr lang="en-IN" baseline="0" dirty="0" err="1" smtClean="0"/>
-              <a:t>Typesense</a:t>
-            </a:r>
-            <a:r>
-              <a:rPr lang="en-IN" baseline="0" dirty="0" smtClean="0"/>
-              <a:t>)</a:t>
-            </a:r>
-            <a:endParaRPr lang="en-IN" dirty="0"/>
+            <a:endParaRPr lang="en-GB" sz="2000" b="0" i="0" u="none" strike="noStrike" kern="1200" baseline="0" dirty="0" smtClean="0">
+              <a:ln>
+                <a:noFill/>
+              </a:ln>
+              <a:effectLst/>
+              <a:latin typeface="Arial" pitchFamily="18"/>
+              <a:ea typeface="SimSun" pitchFamily="2"/>
+            </a:endParaRPr>
+          </a:p>
+          <a:p>
+            <a:r>
+              <a:rPr lang="en-GB" sz="2000" b="0" i="0" u="none" strike="noStrike" kern="1200" baseline="0" dirty="0" smtClean="0">
+                <a:ln>
+                  <a:noFill/>
+                </a:ln>
+                <a:effectLst/>
+                <a:latin typeface="Arial" pitchFamily="18"/>
+                <a:ea typeface="SimSun" pitchFamily="2"/>
+              </a:rPr>
+              <a:t>asymmetric encryption using key exchange protocol to void exposing encrypt key on the internet, a lot more secure</a:t>
+            </a:r>
+          </a:p>
+          <a:p>
+            <a:endParaRPr lang="en-GB" dirty="0"/>
+          </a:p>
+        </p:txBody>
+      </p:sp>
+      <p:sp>
+        <p:nvSpPr>
+          <p:cNvPr id="4" name="灯片编号占位符 3"/>
+          <p:cNvSpPr>
+            <a:spLocks noGrp="1"/>
+          </p:cNvSpPr>
+          <p:nvPr>
+            <p:ph type="sldNum" sz="quarter" idx="10"/>
+          </p:nvPr>
+        </p:nvSpPr>
+        <p:spPr/>
+        <p:txBody>
+          <a:bodyPr/>
+          <a:lstStyle/>
+          <a:p>
+            <a:pPr lvl="0"/>
+            <a:fld id="{975D5492-8BFF-44FE-8BB3-B6856B9EDE9F}" type="slidenum">
+              <a:rPr lang="en-GB" smtClean="0"/>
+              <a:t>6</a:t>
+            </a:fld>
+            <a:endParaRPr lang="en-GB"/>
           </a:p>
         </p:txBody>
       </p:sp>
     </p:spTree>
     <p:extLst>
       <p:ext uri="{BB962C8B-B14F-4D97-AF65-F5344CB8AC3E}">
-        <p14:creationId xmlns:p14="http://schemas.microsoft.com/office/powerpoint/2010/main" val="2529611814"/>
+        <p14:creationId xmlns:p14="http://schemas.microsoft.com/office/powerpoint/2010/main" val="1050799179"/>
       </p:ext>
     </p:extLst>
   </p:cSld>
@@ -1585,23 +1783,73 @@
             <p:ph type="sldImg"/>
           </p:nvPr>
         </p:nvSpPr>
+        <p:spPr>
+          <a:xfrm>
+            <a:off x="1106488" y="812800"/>
+            <a:ext cx="5345112" cy="4008438"/>
+          </a:xfrm>
+        </p:spPr>
+      </p:sp>
+      <p:sp>
+        <p:nvSpPr>
+          <p:cNvPr id="3" name="备注占位符 2"/>
+          <p:cNvSpPr>
+            <a:spLocks noGrp="1"/>
+          </p:cNvSpPr>
+          <p:nvPr>
+            <p:ph type="body" idx="1"/>
+          </p:nvPr>
+        </p:nvSpPr>
         <p:spPr/>
-      </p:sp>
-      <p:sp>
-        <p:nvSpPr>
-          <p:cNvPr id="3" name="备注占位符 2"/>
-          <p:cNvSpPr>
-            <a:spLocks noGrp="1"/>
-          </p:cNvSpPr>
-          <p:nvPr>
-            <p:ph type="body" idx="1"/>
-          </p:nvPr>
-        </p:nvSpPr>
-        <p:spPr/>
         <p:txBody>
           <a:bodyPr/>
           <a:lstStyle/>
           <a:p>
+            <a:pPr marL="216000" marR="0" indent="-216000" defTabSz="914400" rtl="0" eaLnBrk="1" fontAlgn="auto" latinLnBrk="0" hangingPunct="0">
+              <a:lnSpc>
+                <a:spcPct val="100000"/>
+              </a:lnSpc>
+              <a:spcBef>
+                <a:spcPts val="0"/>
+              </a:spcBef>
+              <a:spcAft>
+                <a:spcPts val="0"/>
+              </a:spcAft>
+              <a:buClrTx/>
+              <a:buSzTx/>
+              <a:buFontTx/>
+              <a:buNone/>
+              <a:tabLst/>
+              <a:defRPr/>
+            </a:pPr>
+            <a:r>
+              <a:rPr lang="en-GB" sz="2000" b="0" i="0" u="none" strike="noStrike" kern="1200" baseline="0" dirty="0" smtClean="0">
+                <a:ln>
+                  <a:noFill/>
+                </a:ln>
+                <a:effectLst/>
+                <a:latin typeface="Arial" pitchFamily="18"/>
+                <a:ea typeface="SimSun" pitchFamily="2"/>
+              </a:rPr>
+              <a:t>D-H key is not secure enough because it lacks of authentication</a:t>
+            </a:r>
+          </a:p>
+          <a:p>
+            <a:r>
+              <a:rPr lang="en-GB" dirty="0" smtClean="0"/>
+              <a:t>The</a:t>
+            </a:r>
+            <a:r>
+              <a:rPr lang="en-GB" baseline="0" dirty="0" smtClean="0"/>
+              <a:t> attacker can generate k1 and k2 against Alice and Bob</a:t>
+            </a:r>
+            <a:endParaRPr lang="en-GB" dirty="0" smtClean="0"/>
+          </a:p>
+          <a:p>
+            <a:r>
+              <a:rPr lang="en-GB" dirty="0" smtClean="0"/>
+              <a:t>That’s why</a:t>
+            </a:r>
             <a:endParaRPr lang="en-GB" dirty="0"/>
           </a:p>
         </p:txBody>
@@ -1633,7 +1881,239 @@
     </p:spTree>
     <p:extLst>
       <p:ext uri="{BB962C8B-B14F-4D97-AF65-F5344CB8AC3E}">
-        <p14:creationId xmlns:p14="http://schemas.microsoft.com/office/powerpoint/2010/main" val="4141524181"/>
+        <p14:creationId xmlns:p14="http://schemas.microsoft.com/office/powerpoint/2010/main" val="1026178166"/>
+      </p:ext>
+    </p:extLst>
+  </p:cSld>
+  <p:clrMapOvr>
+    <a:masterClrMapping/>
+  </p:clrMapOvr>
+</p:notes>
+</file>
+
+<file path=ppt/notesSlides/notesSlide8.xml><?xml version="1.0" encoding="utf-8"?>
+<p:notes xmlns:a="http://schemas.openxmlformats.org/drawingml/2006/main" xmlns:r="http://schemas.openxmlformats.org/officeDocument/2006/relationships" xmlns:p="http://schemas.openxmlformats.org/presentationml/2006/main">
+  <p:cSld>
+    <p:spTree>
+      <p:nvGrpSpPr>
+        <p:cNvPr id="1" name=""/>
+        <p:cNvGrpSpPr/>
+        <p:nvPr/>
+      </p:nvGrpSpPr>
+      <p:grpSpPr>
+        <a:xfrm>
+          <a:off x="0" y="0"/>
+          <a:ext cx="0" cy="0"/>
+          <a:chOff x="0" y="0"/>
+          <a:chExt cx="0" cy="0"/>
+        </a:xfrm>
+      </p:grpSpPr>
+      <p:sp>
+        <p:nvSpPr>
+          <p:cNvPr id="2" name="幻灯片图像占位符 1"/>
+          <p:cNvSpPr>
+            <a:spLocks noGrp="1" noRot="1" noChangeAspect="1"/>
+          </p:cNvSpPr>
+          <p:nvPr>
+            <p:ph type="sldImg"/>
+          </p:nvPr>
+        </p:nvSpPr>
+        <p:spPr/>
+      </p:sp>
+      <p:sp>
+        <p:nvSpPr>
+          <p:cNvPr id="3" name="备注占位符 2"/>
+          <p:cNvSpPr>
+            <a:spLocks noGrp="1"/>
+          </p:cNvSpPr>
+          <p:nvPr>
+            <p:ph type="body" idx="1"/>
+          </p:nvPr>
+        </p:nvSpPr>
+        <p:spPr/>
+        <p:txBody>
+          <a:bodyPr/>
+          <a:lstStyle/>
+          <a:p>
+            <a:endParaRPr lang="en-GB" dirty="0"/>
+          </a:p>
+        </p:txBody>
+      </p:sp>
+      <p:sp>
+        <p:nvSpPr>
+          <p:cNvPr id="4" name="灯片编号占位符 3"/>
+          <p:cNvSpPr>
+            <a:spLocks noGrp="1"/>
+          </p:cNvSpPr>
+          <p:nvPr>
+            <p:ph type="sldNum" sz="quarter" idx="10"/>
+          </p:nvPr>
+        </p:nvSpPr>
+        <p:spPr/>
+        <p:txBody>
+          <a:bodyPr/>
+          <a:lstStyle/>
+          <a:p>
+            <a:pPr lvl="0"/>
+            <a:fld id="{975D5492-8BFF-44FE-8BB3-B6856B9EDE9F}" type="slidenum">
+              <a:rPr lang="en-GB" smtClean="0"/>
+              <a:t>8</a:t>
+            </a:fld>
+            <a:endParaRPr lang="en-GB"/>
+          </a:p>
+        </p:txBody>
+      </p:sp>
+    </p:spTree>
+    <p:extLst>
+      <p:ext uri="{BB962C8B-B14F-4D97-AF65-F5344CB8AC3E}">
+        <p14:creationId xmlns:p14="http://schemas.microsoft.com/office/powerpoint/2010/main" val="4244937035"/>
+      </p:ext>
+    </p:extLst>
+  </p:cSld>
+  <p:clrMapOvr>
+    <a:masterClrMapping/>
+  </p:clrMapOvr>
+</p:notes>
+</file>
+
+<file path=ppt/notesSlides/notesSlide9.xml><?xml version="1.0" encoding="utf-8"?>
+<p:notes xmlns:a="http://schemas.openxmlformats.org/drawingml/2006/main" xmlns:r="http://schemas.openxmlformats.org/officeDocument/2006/relationships" xmlns:p="http://schemas.openxmlformats.org/presentationml/2006/main">
+  <p:cSld>
+    <p:spTree>
+      <p:nvGrpSpPr>
+        <p:cNvPr id="1" name=""/>
+        <p:cNvGrpSpPr/>
+        <p:nvPr/>
+      </p:nvGrpSpPr>
+      <p:grpSpPr>
+        <a:xfrm>
+          <a:off x="0" y="0"/>
+          <a:ext cx="0" cy="0"/>
+          <a:chOff x="0" y="0"/>
+          <a:chExt cx="0" cy="0"/>
+        </a:xfrm>
+      </p:grpSpPr>
+      <p:sp>
+        <p:nvSpPr>
+          <p:cNvPr id="7" name="灯片编号占位符 6"/>
+          <p:cNvSpPr txBox="1">
+            <a:spLocks noGrp="1"/>
+          </p:cNvSpPr>
+          <p:nvPr>
+            <p:ph type="sldNum" sz="quarter" idx="5"/>
+          </p:nvPr>
+        </p:nvSpPr>
+        <p:spPr>
+          <a:ln/>
+        </p:spPr>
+        <p:txBody>
+          <a:bodyPr lIns="0" tIns="0" rIns="0" bIns="0" anchor="b">
+            <a:noAutofit/>
+          </a:bodyPr>
+          <a:lstStyle/>
+          <a:p>
+            <a:pPr lvl="0"/>
+            <a:fld id="{79F34DD0-CAE3-4A13-BD72-94C7B0561B70}" type="slidenum">
+              <a:t>9</a:t>
+            </a:fld>
+            <a:endParaRPr lang="en-IN"/>
+          </a:p>
+        </p:txBody>
+      </p:sp>
+      <p:sp>
+        <p:nvSpPr>
+          <p:cNvPr id="2" name="幻灯片图像占位符 1"/>
+          <p:cNvSpPr>
+            <a:spLocks noGrp="1" noRot="1" noChangeAspect="1" noResize="1"/>
+          </p:cNvSpPr>
+          <p:nvPr>
+            <p:ph type="sldImg"/>
+          </p:nvPr>
+        </p:nvSpPr>
+        <p:spPr>
+          <a:xfrm>
+            <a:off x="1106488" y="812800"/>
+            <a:ext cx="5345112" cy="4008438"/>
+          </a:xfrm>
+          <a:solidFill>
+            <a:schemeClr val="accent1"/>
+          </a:solidFill>
+          <a:ln w="25400">
+            <a:solidFill>
+              <a:schemeClr val="accent1">
+                <a:shade val="50000"/>
+              </a:schemeClr>
+            </a:solidFill>
+            <a:prstDash val="solid"/>
+          </a:ln>
+        </p:spPr>
+      </p:sp>
+      <p:sp>
+        <p:nvSpPr>
+          <p:cNvPr id="3" name="备注占位符 2"/>
+          <p:cNvSpPr txBox="1">
+            <a:spLocks noGrp="1"/>
+          </p:cNvSpPr>
+          <p:nvPr>
+            <p:ph type="body" sz="quarter" idx="1"/>
+          </p:nvPr>
+        </p:nvSpPr>
+        <p:spPr/>
+        <p:txBody>
+          <a:bodyPr>
+            <a:spAutoFit/>
+          </a:bodyPr>
+          <a:lstStyle/>
+          <a:p>
+            <a:pPr marL="457200" indent="-457200">
+              <a:buAutoNum type="arabicPeriod"/>
+            </a:pPr>
+            <a:r>
+              <a:rPr lang="en-IN" dirty="0" smtClean="0"/>
+              <a:t>Show the step of</a:t>
+            </a:r>
+            <a:r>
+              <a:rPr lang="en-IN" baseline="0" dirty="0" smtClean="0"/>
+              <a:t> phishing a victim to visit my fake site</a:t>
+            </a:r>
+          </a:p>
+          <a:p>
+            <a:pPr marL="457200" indent="-457200">
+              <a:buAutoNum type="arabicPeriod"/>
+            </a:pPr>
+            <a:r>
+              <a:rPr lang="en-IN" baseline="0" dirty="0" smtClean="0"/>
+              <a:t>Ask how to resolve it</a:t>
+            </a:r>
+          </a:p>
+          <a:p>
+            <a:pPr marL="457200" indent="-457200">
+              <a:buAutoNum type="arabicPeriod"/>
+            </a:pPr>
+            <a:r>
+              <a:rPr lang="en-IN" baseline="0" dirty="0" smtClean="0"/>
+              <a:t>Suggest to use 2-factor authentication (OTP or other </a:t>
+            </a:r>
+            <a:r>
+              <a:rPr lang="en-IN" baseline="0" smtClean="0"/>
+              <a:t>2</a:t>
+            </a:r>
+            <a:r>
+              <a:rPr lang="en-IN" baseline="30000" smtClean="0"/>
+              <a:t>nd</a:t>
+            </a:r>
+            <a:r>
+              <a:rPr lang="en-IN" baseline="0" smtClean="0"/>
+              <a:t> factors)</a:t>
+            </a:r>
+            <a:endParaRPr lang="en-IN" dirty="0"/>
+          </a:p>
+        </p:txBody>
+      </p:sp>
+    </p:spTree>
+    <p:extLst>
+      <p:ext uri="{BB962C8B-B14F-4D97-AF65-F5344CB8AC3E}">
+        <p14:creationId xmlns:p14="http://schemas.microsoft.com/office/powerpoint/2010/main" val="2529611814"/>
       </p:ext>
     </p:extLst>
   </p:cSld>
@@ -2025,7 +2505,7 @@
             <a:pPr lvl="0"/>
             <a:fld id="{41F1F1D7-4349-4B58-8B6D-85F1EEE59577}" type="datetime1">
               <a:rPr lang="en-GB" smtClean="0"/>
-              <a:t>24/09/2015</a:t>
+              <a:t>28/09/2015</a:t>
             </a:fld>
             <a:endParaRPr lang="en-GB"/>
           </a:p>
@@ -2294,7 +2774,7 @@
             <a:pPr lvl="0"/>
             <a:fld id="{02ED5710-69E9-4225-8EA2-9590F6C71A1E}" type="datetime1">
               <a:rPr lang="en-GB" smtClean="0"/>
-              <a:t>24/09/2015</a:t>
+              <a:t>28/09/2015</a:t>
             </a:fld>
             <a:endParaRPr lang="en-GB"/>
           </a:p>
@@ -2547,7 +3027,7 @@
             <a:pPr lvl="0"/>
             <a:fld id="{96002638-F4CA-451B-9F2C-0D8298E85E5A}" type="datetime1">
               <a:rPr lang="en-GB" smtClean="0"/>
-              <a:t>24/09/2015</a:t>
+              <a:t>28/09/2015</a:t>
             </a:fld>
             <a:endParaRPr lang="en-GB"/>
           </a:p>
@@ -2858,7 +3338,7 @@
             <a:pPr lvl="0"/>
             <a:fld id="{D6F04DC2-A776-409D-A225-5E4DB9B35D3E}" type="datetime1">
               <a:rPr lang="en-GB" smtClean="0"/>
-              <a:t>24/09/2015</a:t>
+              <a:t>28/09/2015</a:t>
             </a:fld>
             <a:endParaRPr lang="en-GB"/>
           </a:p>
@@ -3179,7 +3659,7 @@
             <a:pPr lvl="0"/>
             <a:fld id="{320FEE59-AAEB-4952-B524-CA8B82E76033}" type="datetime1">
               <a:rPr lang="en-GB" smtClean="0"/>
-              <a:t>24/09/2015</a:t>
+              <a:t>28/09/2015</a:t>
             </a:fld>
             <a:endParaRPr lang="en-GB"/>
           </a:p>
@@ -3484,7 +3964,7 @@
             <a:pPr lvl="0"/>
             <a:fld id="{24DFA245-FBB4-45CE-9CDE-0558C572CA1D}" type="datetime1">
               <a:rPr lang="en-GB" smtClean="0"/>
-              <a:t>24/09/2015</a:t>
+              <a:t>28/09/2015</a:t>
             </a:fld>
             <a:endParaRPr lang="en-GB"/>
           </a:p>
@@ -3854,7 +4334,7 @@
             <a:pPr lvl="0"/>
             <a:fld id="{1CB100FC-43A9-4085-9F72-384723C889D1}" type="datetime1">
               <a:rPr lang="en-GB" smtClean="0"/>
-              <a:t>24/09/2015</a:t>
+              <a:t>28/09/2015</a:t>
             </a:fld>
             <a:endParaRPr lang="en-GB"/>
           </a:p>
@@ -4043,7 +4523,7 @@
             <a:pPr lvl="0"/>
             <a:fld id="{82B653C1-F15A-42C8-8B84-7D15BBED0E9B}" type="datetime1">
               <a:rPr lang="en-GB" smtClean="0"/>
-              <a:t>24/09/2015</a:t>
+              <a:t>28/09/2015</a:t>
             </a:fld>
             <a:endParaRPr lang="en-GB"/>
           </a:p>
@@ -4232,7 +4712,7 @@
             <a:pPr lvl="0"/>
             <a:fld id="{822C5A4F-ACCF-44AB-B4F4-96F9328AA05A}" type="datetime1">
               <a:rPr lang="en-GB" smtClean="0"/>
-              <a:t>24/09/2015</a:t>
+              <a:t>28/09/2015</a:t>
             </a:fld>
             <a:endParaRPr lang="en-GB"/>
           </a:p>
@@ -4415,7 +4895,7 @@
             <a:pPr lvl="0"/>
             <a:fld id="{2074847D-BD8F-4BFC-BB47-C51D12543F2E}" type="datetime1">
               <a:rPr lang="en-GB" smtClean="0"/>
-              <a:t>24/09/2015</a:t>
+              <a:t>28/09/2015</a:t>
             </a:fld>
             <a:endParaRPr lang="en-GB"/>
           </a:p>
@@ -4668,7 +5148,7 @@
             <a:pPr lvl="0"/>
             <a:fld id="{5602532B-378D-4E5B-BEE5-AF3672FB55D7}" type="datetime1">
               <a:rPr lang="en-GB" smtClean="0"/>
-              <a:t>24/09/2015</a:t>
+              <a:t>28/09/2015</a:t>
             </a:fld>
             <a:endParaRPr lang="en-GB"/>
           </a:p>
@@ -4918,7 +5398,7 @@
             <a:pPr lvl="0"/>
             <a:fld id="{52F5F050-9E28-4BCF-8D01-F7AC832202C0}" type="datetime1">
               <a:rPr lang="en-GB" smtClean="0"/>
-              <a:t>24/09/2015</a:t>
+              <a:t>28/09/2015</a:t>
             </a:fld>
             <a:endParaRPr lang="en-GB"/>
           </a:p>
@@ -5310,7 +5790,7 @@
             <a:pPr lvl="0"/>
             <a:fld id="{0C165619-6BC0-479C-B9DD-57EF65B8FF67}" type="datetime1">
               <a:rPr lang="en-GB" smtClean="0"/>
-              <a:t>24/09/2015</a:t>
+              <a:t>28/09/2015</a:t>
             </a:fld>
             <a:endParaRPr lang="en-GB"/>
           </a:p>
@@ -5442,7 +5922,7 @@
             <a:pPr lvl="0"/>
             <a:fld id="{F2227772-7F1D-44EF-A87B-C545F972E880}" type="datetime1">
               <a:rPr lang="en-GB" smtClean="0"/>
-              <a:t>24/09/2015</a:t>
+              <a:t>28/09/2015</a:t>
             </a:fld>
             <a:endParaRPr lang="en-GB"/>
           </a:p>
@@ -5540,7 +6020,7 @@
             <a:pPr lvl="0"/>
             <a:fld id="{81BB31F5-A6F1-4E54-B7B1-358AB9105404}" type="datetime1">
               <a:rPr lang="en-GB" smtClean="0"/>
-              <a:t>24/09/2015</a:t>
+              <a:t>28/09/2015</a:t>
             </a:fld>
             <a:endParaRPr lang="en-GB"/>
           </a:p>
@@ -5798,7 +6278,7 @@
             <a:pPr lvl="0"/>
             <a:fld id="{A5080C05-CDE7-4A73-A8AB-8D94D69E3E3E}" type="datetime1">
               <a:rPr lang="en-GB" smtClean="0"/>
-              <a:t>24/09/2015</a:t>
+              <a:t>28/09/2015</a:t>
             </a:fld>
             <a:endParaRPr lang="en-GB"/>
           </a:p>
@@ -6084,7 +6564,7 @@
             <a:pPr lvl="0"/>
             <a:fld id="{BDBA41A5-4AC0-4305-B698-933A5C90A549}" type="datetime1">
               <a:rPr lang="en-GB" smtClean="0"/>
-              <a:t>24/09/2015</a:t>
+              <a:t>28/09/2015</a:t>
             </a:fld>
             <a:endParaRPr lang="en-GB"/>
           </a:p>
@@ -6498,7 +6978,7 @@
             <a:pPr lvl="0"/>
             <a:fld id="{5DDED4DB-336B-42A3-9901-79975F7B7A63}" type="datetime1">
               <a:rPr lang="en-GB" smtClean="0"/>
-              <a:t>24/09/2015</a:t>
+              <a:t>28/09/2015</a:t>
             </a:fld>
             <a:endParaRPr lang="en-GB"/>
           </a:p>
@@ -7059,7 +7539,7 @@
             <a:pPr lvl="0" algn="ctr"/>
             <a:fld id="{C0285524-B7FC-4F8B-BECD-8B87B90477AC}" type="datetime1">
               <a:rPr lang="en-GB" sz="1400" smtClean="0"/>
-              <a:t>24/09/2015</a:t>
+              <a:t>28/09/2015</a:t>
             </a:fld>
             <a:endParaRPr lang="en-GB" sz="1400" dirty="0"/>
           </a:p>
@@ -7231,8 +7711,8 @@
         </p:nvSpPr>
         <p:spPr>
           <a:xfrm>
-            <a:off x="3657087" y="2016000"/>
-            <a:ext cx="3272759" cy="507959"/>
+            <a:off x="3514182" y="2014065"/>
+            <a:ext cx="3459515" cy="511828"/>
           </a:xfrm>
           <a:prstGeom prst="rect">
             <a:avLst/>
@@ -7273,8 +7753,33 @@
                 <a:ea typeface="SimSun" pitchFamily="2"/>
                 <a:cs typeface="Lucida Sans" pitchFamily="2"/>
               </a:rPr>
-              <a:t>For Web Application</a:t>
-            </a:r>
+              <a:t>For Web </a:t>
+            </a:r>
+            <a:r>
+              <a:rPr lang="en-IN" sz="2800" b="0" i="0" u="none" strike="noStrike" kern="1200" dirty="0" smtClean="0">
+                <a:ln>
+                  <a:noFill/>
+                </a:ln>
+                <a:solidFill>
+                  <a:srgbClr val="FFFFFF"/>
+                </a:solidFill>
+                <a:latin typeface="Cambria" pitchFamily="18"/>
+                <a:ea typeface="SimSun" pitchFamily="2"/>
+                <a:cs typeface="Lucida Sans" pitchFamily="2"/>
+              </a:rPr>
+              <a:t>Applications</a:t>
+            </a:r>
+            <a:endParaRPr lang="en-IN" sz="2800" b="0" i="0" u="none" strike="noStrike" kern="1200" dirty="0">
+              <a:ln>
+                <a:noFill/>
+              </a:ln>
+              <a:solidFill>
+                <a:srgbClr val="FFFFFF"/>
+              </a:solidFill>
+              <a:latin typeface="Cambria" pitchFamily="18"/>
+              <a:ea typeface="SimSun" pitchFamily="2"/>
+              <a:cs typeface="Lucida Sans" pitchFamily="2"/>
+            </a:endParaRPr>
           </a:p>
         </p:txBody>
       </p:sp>
@@ -7411,6 +7916,380 @@
       <p:transition spd="slow"/>
     </mc:Fallback>
   </mc:AlternateContent>
+  <p:timing>
+    <p:tnLst>
+      <p:par>
+        <p:cTn id="1" dur="indefinite" restart="never" nodeType="tmRoot"/>
+      </p:par>
+    </p:tnLst>
+  </p:timing>
+</p:sld>
+</file>
+
+<file path=ppt/slides/slide10.xml><?xml version="1.0" encoding="utf-8"?>
+<p:sld xmlns:a="http://schemas.openxmlformats.org/drawingml/2006/main" xmlns:r="http://schemas.openxmlformats.org/officeDocument/2006/relationships" xmlns:p="http://schemas.openxmlformats.org/presentationml/2006/main">
+  <p:cSld>
+    <p:spTree>
+      <p:nvGrpSpPr>
+        <p:cNvPr id="1" name=""/>
+        <p:cNvGrpSpPr/>
+        <p:nvPr/>
+      </p:nvGrpSpPr>
+      <p:grpSpPr>
+        <a:xfrm>
+          <a:off x="0" y="0"/>
+          <a:ext cx="0" cy="0"/>
+          <a:chOff x="0" y="0"/>
+          <a:chExt cx="0" cy="0"/>
+        </a:xfrm>
+      </p:grpSpPr>
+      <p:sp>
+        <p:nvSpPr>
+          <p:cNvPr id="4" name="任意多边形 3"/>
+          <p:cNvSpPr/>
+          <p:nvPr/>
+        </p:nvSpPr>
+        <p:spPr>
+          <a:xfrm>
+            <a:off x="1445760" y="360707"/>
+            <a:ext cx="7019640" cy="1979640"/>
+          </a:xfrm>
+          <a:custGeom>
+            <a:avLst/>
+            <a:gdLst/>
+            <a:ahLst/>
+            <a:cxnLst>
+              <a:cxn ang="3cd4">
+                <a:pos x="hc" y="t"/>
+              </a:cxn>
+              <a:cxn ang="cd2">
+                <a:pos x="l" y="vc"/>
+              </a:cxn>
+              <a:cxn ang="cd4">
+                <a:pos x="hc" y="b"/>
+              </a:cxn>
+              <a:cxn ang="0">
+                <a:pos x="r" y="vc"/>
+              </a:cxn>
+            </a:cxnLst>
+            <a:rect l="l" t="t" r="r" b="b"/>
+            <a:pathLst>
+              <a:path w="19500" h="5500">
+                <a:moveTo>
+                  <a:pt x="0" y="5500"/>
+                </a:moveTo>
+                <a:cubicBezTo>
+                  <a:pt x="0" y="3667"/>
+                  <a:pt x="0" y="1833"/>
+                  <a:pt x="0" y="0"/>
+                </a:cubicBezTo>
+                <a:cubicBezTo>
+                  <a:pt x="6500" y="0"/>
+                  <a:pt x="13000" y="0"/>
+                  <a:pt x="19500" y="0"/>
+                </a:cubicBezTo>
+                <a:cubicBezTo>
+                  <a:pt x="19500" y="1833"/>
+                  <a:pt x="19500" y="3667"/>
+                  <a:pt x="19500" y="5500"/>
+                </a:cubicBezTo>
+                <a:cubicBezTo>
+                  <a:pt x="13000" y="5500"/>
+                  <a:pt x="6500" y="5500"/>
+                  <a:pt x="0" y="5500"/>
+                </a:cubicBezTo>
+                <a:close/>
+              </a:path>
+            </a:pathLst>
+          </a:custGeom>
+          <a:solidFill>
+            <a:srgbClr val="004586"/>
+          </a:solidFill>
+          <a:ln w="0">
+            <a:solidFill>
+              <a:srgbClr val="000000"/>
+            </a:solidFill>
+            <a:prstDash val="solid"/>
+            <a:round/>
+          </a:ln>
+          <a:effectLst>
+            <a:outerShdw dist="152735" dir="2700000" algn="tl">
+              <a:srgbClr val="808080"/>
+            </a:outerShdw>
+          </a:effectLst>
+        </p:spPr>
+        <p:txBody>
+          <a:bodyPr vert="horz" wrap="none" lIns="90000" tIns="45000" rIns="90000" bIns="45000" anchor="ctr" anchorCtr="1" compatLnSpc="0"/>
+          <a:lstStyle/>
+          <a:p>
+            <a:pPr marL="0" marR="0" lvl="0" indent="0" rtl="0" hangingPunct="0">
+              <a:lnSpc>
+                <a:spcPct val="100000"/>
+              </a:lnSpc>
+              <a:spcBef>
+                <a:spcPts val="0"/>
+              </a:spcBef>
+              <a:spcAft>
+                <a:spcPts val="0"/>
+              </a:spcAft>
+              <a:buNone/>
+              <a:tabLst/>
+            </a:pPr>
+            <a:endParaRPr lang="en-IN" sz="1800" b="0" i="0" u="none" strike="noStrike" kern="1200">
+              <a:ln>
+                <a:noFill/>
+              </a:ln>
+              <a:latin typeface="Arial" pitchFamily="18"/>
+              <a:ea typeface="SimSun" pitchFamily="2"/>
+              <a:cs typeface="Lucida Sans" pitchFamily="2"/>
+            </a:endParaRPr>
+          </a:p>
+        </p:txBody>
+      </p:sp>
+      <p:sp>
+        <p:nvSpPr>
+          <p:cNvPr id="5" name="文本框 4"/>
+          <p:cNvSpPr txBox="1"/>
+          <p:nvPr/>
+        </p:nvSpPr>
+        <p:spPr>
+          <a:xfrm>
+            <a:off x="2924572" y="944251"/>
+            <a:ext cx="4214721" cy="812551"/>
+          </a:xfrm>
+          <a:prstGeom prst="rect">
+            <a:avLst/>
+          </a:prstGeom>
+          <a:noFill/>
+          <a:ln>
+            <a:noFill/>
+          </a:ln>
+        </p:spPr>
+        <p:txBody>
+          <a:bodyPr vert="horz" wrap="none" lIns="90000" tIns="45000" rIns="90000" bIns="45000" anchorCtr="0" compatLnSpc="0">
+            <a:spAutoFit/>
+          </a:bodyPr>
+          <a:lstStyle/>
+          <a:p>
+            <a:pPr lvl="0" hangingPunct="0">
+              <a:defRPr sz="2200"/>
+            </a:pPr>
+            <a:r>
+              <a:rPr lang="en-IN" sz="4800" dirty="0" smtClean="0">
+                <a:latin typeface="Cambria" pitchFamily="18"/>
+                <a:ea typeface="SimSun" pitchFamily="2"/>
+                <a:cs typeface="Lucida Sans" pitchFamily="2"/>
+              </a:rPr>
+              <a:t>The Real World</a:t>
+            </a:r>
+            <a:endParaRPr lang="en-IN" sz="4800" dirty="0">
+              <a:latin typeface="Cambria" pitchFamily="18"/>
+              <a:ea typeface="SimSun" pitchFamily="2"/>
+              <a:cs typeface="Lucida Sans" pitchFamily="2"/>
+            </a:endParaRPr>
+          </a:p>
+        </p:txBody>
+      </p:sp>
+      <p:sp>
+        <p:nvSpPr>
+          <p:cNvPr id="6" name="文本框 5"/>
+          <p:cNvSpPr txBox="1"/>
+          <p:nvPr/>
+        </p:nvSpPr>
+        <p:spPr>
+          <a:xfrm>
+            <a:off x="1445760" y="3155522"/>
+            <a:ext cx="5154914" cy="3248153"/>
+          </a:xfrm>
+          <a:prstGeom prst="rect">
+            <a:avLst/>
+          </a:prstGeom>
+          <a:noFill/>
+          <a:ln>
+            <a:noFill/>
+          </a:ln>
+        </p:spPr>
+        <p:txBody>
+          <a:bodyPr vert="horz" wrap="none" lIns="90000" tIns="45000" rIns="90000" bIns="45000" anchorCtr="0" compatLnSpc="0">
+            <a:spAutoFit/>
+          </a:bodyPr>
+          <a:lstStyle/>
+          <a:p>
+            <a:pPr marL="457200" marR="0" lvl="0" indent="-457200" rtl="0" hangingPunct="0">
+              <a:lnSpc>
+                <a:spcPct val="150000"/>
+              </a:lnSpc>
+              <a:spcBef>
+                <a:spcPts val="0"/>
+              </a:spcBef>
+              <a:spcAft>
+                <a:spcPts val="0"/>
+              </a:spcAft>
+              <a:buFont typeface="Wingdings" panose="05000000000000000000" pitchFamily="2" charset="2"/>
+              <a:buChar char="Ø"/>
+              <a:tabLst/>
+            </a:pPr>
+            <a:r>
+              <a:rPr lang="en-IN" sz="2800" dirty="0" smtClean="0">
+                <a:solidFill>
+                  <a:srgbClr val="FFFFFF"/>
+                </a:solidFill>
+                <a:latin typeface="Cambria" pitchFamily="18"/>
+                <a:ea typeface="SimSun" pitchFamily="2"/>
+                <a:cs typeface="Lucida Sans" pitchFamily="2"/>
+              </a:rPr>
+              <a:t>Bank Of IRL project</a:t>
+            </a:r>
+          </a:p>
+          <a:p>
+            <a:pPr marL="914400" lvl="1" indent="-457200" hangingPunct="0">
+              <a:lnSpc>
+                <a:spcPct val="150000"/>
+              </a:lnSpc>
+              <a:buFont typeface="Arial" panose="020B0604020202020204" pitchFamily="34" charset="0"/>
+              <a:buChar char="•"/>
+            </a:pPr>
+            <a:r>
+              <a:rPr lang="en-IN" sz="2800" b="0" i="0" u="none" strike="noStrike" kern="1200" dirty="0" smtClean="0">
+                <a:ln>
+                  <a:noFill/>
+                </a:ln>
+                <a:solidFill>
+                  <a:srgbClr val="FFFFFF"/>
+                </a:solidFill>
+                <a:latin typeface="Cambria" pitchFamily="18"/>
+                <a:ea typeface="SimSun" pitchFamily="2"/>
+                <a:cs typeface="Lucida Sans" pitchFamily="2"/>
+              </a:rPr>
+              <a:t>Download XML as a dealer</a:t>
+            </a:r>
+          </a:p>
+          <a:p>
+            <a:pPr marL="914400" lvl="1" indent="-457200" hangingPunct="0">
+              <a:lnSpc>
+                <a:spcPct val="150000"/>
+              </a:lnSpc>
+              <a:buFont typeface="Arial" panose="020B0604020202020204" pitchFamily="34" charset="0"/>
+              <a:buChar char="•"/>
+            </a:pPr>
+            <a:r>
+              <a:rPr lang="en-IN" sz="2800" dirty="0" smtClean="0">
+                <a:solidFill>
+                  <a:srgbClr val="FFFFFF"/>
+                </a:solidFill>
+                <a:latin typeface="Cambria" pitchFamily="18"/>
+                <a:ea typeface="SimSun" pitchFamily="2"/>
+                <a:cs typeface="Lucida Sans" pitchFamily="2"/>
+              </a:rPr>
+              <a:t>Log plain text password</a:t>
+            </a:r>
+          </a:p>
+          <a:p>
+            <a:pPr marL="914400" lvl="1" indent="-457200" hangingPunct="0">
+              <a:lnSpc>
+                <a:spcPct val="150000"/>
+              </a:lnSpc>
+              <a:buFont typeface="Arial" panose="020B0604020202020204" pitchFamily="34" charset="0"/>
+              <a:buChar char="•"/>
+            </a:pPr>
+            <a:r>
+              <a:rPr lang="en-IN" sz="2800" dirty="0" smtClean="0">
+                <a:solidFill>
+                  <a:srgbClr val="FFFFFF"/>
+                </a:solidFill>
+                <a:latin typeface="Cambria" pitchFamily="18"/>
+                <a:ea typeface="SimSun" pitchFamily="2"/>
+                <a:cs typeface="Lucida Sans" pitchFamily="2"/>
+              </a:rPr>
+              <a:t>Weak/Static </a:t>
+            </a:r>
+            <a:r>
+              <a:rPr lang="en-IN" sz="2800" dirty="0" smtClean="0">
+                <a:solidFill>
+                  <a:srgbClr val="FFFFFF"/>
+                </a:solidFill>
+                <a:latin typeface="Cambria" pitchFamily="18"/>
+                <a:ea typeface="SimSun" pitchFamily="2"/>
+                <a:cs typeface="Lucida Sans" pitchFamily="2"/>
+              </a:rPr>
+              <a:t>passwords</a:t>
+            </a:r>
+          </a:p>
+          <a:p>
+            <a:pPr marL="914400" lvl="1" indent="-457200" hangingPunct="0">
+              <a:lnSpc>
+                <a:spcPct val="150000"/>
+              </a:lnSpc>
+              <a:buFont typeface="Arial" panose="020B0604020202020204" pitchFamily="34" charset="0"/>
+              <a:buChar char="•"/>
+            </a:pPr>
+            <a:r>
+              <a:rPr lang="en-IN" sz="2800" b="0" i="0" u="none" strike="noStrike" kern="1200" dirty="0" smtClean="0">
+                <a:ln>
+                  <a:noFill/>
+                </a:ln>
+                <a:solidFill>
+                  <a:srgbClr val="FFFFFF"/>
+                </a:solidFill>
+                <a:latin typeface="Cambria" pitchFamily="18"/>
+                <a:ea typeface="SimSun" pitchFamily="2"/>
+                <a:cs typeface="Lucida Sans" pitchFamily="2"/>
+              </a:rPr>
+              <a:t>Phishing emails</a:t>
+            </a:r>
+            <a:endParaRPr lang="en-IN" sz="2800" b="0" i="0" u="none" strike="noStrike" kern="1200" dirty="0">
+              <a:ln>
+                <a:noFill/>
+              </a:ln>
+              <a:solidFill>
+                <a:srgbClr val="FFFFFF"/>
+              </a:solidFill>
+              <a:latin typeface="Cambria" pitchFamily="18"/>
+              <a:ea typeface="SimSun" pitchFamily="2"/>
+              <a:cs typeface="Lucida Sans" pitchFamily="2"/>
+            </a:endParaRPr>
+          </a:p>
+        </p:txBody>
+      </p:sp>
+      <p:sp>
+        <p:nvSpPr>
+          <p:cNvPr id="7" name="日期占位符 1"/>
+          <p:cNvSpPr>
+            <a:spLocks noGrp="1"/>
+          </p:cNvSpPr>
+          <p:nvPr>
+            <p:ph type="dt" sz="half" idx="10"/>
+          </p:nvPr>
+        </p:nvSpPr>
+        <p:spPr>
+          <a:xfrm>
+            <a:off x="7629480" y="7088525"/>
+            <a:ext cx="2334469" cy="286636"/>
+          </a:xfrm>
+        </p:spPr>
+        <p:txBody>
+          <a:bodyPr/>
+          <a:lstStyle/>
+          <a:p>
+            <a:pPr lvl="0" algn="ctr"/>
+            <a:fld id="{7494FFFA-40F1-4529-AC2E-CD6341706B16}" type="datetime1">
+              <a:rPr lang="en-GB" sz="1400" smtClean="0"/>
+              <a:t>28/09/2015</a:t>
+            </a:fld>
+            <a:endParaRPr lang="en-GB" sz="1400" dirty="0"/>
+          </a:p>
+        </p:txBody>
+      </p:sp>
+    </p:spTree>
+    <p:extLst>
+      <p:ext uri="{BB962C8B-B14F-4D97-AF65-F5344CB8AC3E}">
+        <p14:creationId xmlns:p14="http://schemas.microsoft.com/office/powerpoint/2010/main" val="3566024286"/>
+      </p:ext>
+    </p:extLst>
+  </p:cSld>
+  <p:clrMapOvr>
+    <a:masterClrMapping/>
+  </p:clrMapOvr>
   <p:timing>
     <p:tnLst>
       <p:par>
@@ -7461,7 +8340,7 @@
             <a:pPr lvl="0" algn="ctr"/>
             <a:fld id="{0D2826A7-A66B-4B5B-98A9-57641F24BA94}" type="datetime1">
               <a:rPr lang="en-GB" sz="1400" smtClean="0"/>
-              <a:t>24/09/2015</a:t>
+              <a:t>28/09/2015</a:t>
             </a:fld>
             <a:endParaRPr lang="en-GB" sz="1400" dirty="0"/>
           </a:p>
@@ -7605,7 +8484,7 @@
                 <a:ea typeface="SimSun" pitchFamily="2"/>
                 <a:cs typeface="Lucida Sans" pitchFamily="2"/>
               </a:rPr>
-              <a:t>A important email</a:t>
+              <a:t>An Important Email</a:t>
             </a:r>
             <a:endParaRPr lang="en-IN" sz="2200" dirty="0">
               <a:latin typeface="Cambria" pitchFamily="18"/>
@@ -7637,7 +8516,7 @@
                 <a:ea typeface="SimSun" pitchFamily="2"/>
                 <a:cs typeface="Lucida Sans" pitchFamily="2"/>
               </a:rPr>
-              <a:t>Real </a:t>
+              <a:t>The Real </a:t>
             </a:r>
             <a:r>
               <a:rPr lang="en-IN" sz="2200" dirty="0">
@@ -7813,17 +8692,14 @@
               <a:buNone/>
               <a:tabLst/>
             </a:pPr>
-            <a:r>
-              <a:rPr lang="en-IN" sz="1800" b="0" i="0" u="none" strike="noStrike" kern="1200" dirty="0">
-                <a:ln>
-                  <a:noFill/>
-                </a:ln>
-                <a:latin typeface="Arial" pitchFamily="18"/>
-                <a:ea typeface="SimSun" pitchFamily="2"/>
-                <a:cs typeface="Lucida Sans" pitchFamily="2"/>
-              </a:rPr>
-              <a:t>.</a:t>
-            </a:r>
+            <a:endParaRPr lang="en-IN" sz="1800" b="0" i="0" u="none" strike="noStrike" kern="1200" dirty="0">
+              <a:ln>
+                <a:noFill/>
+              </a:ln>
+              <a:latin typeface="Arial" pitchFamily="18"/>
+              <a:ea typeface="SimSun" pitchFamily="2"/>
+              <a:cs typeface="Lucida Sans" pitchFamily="2"/>
+            </a:endParaRPr>
           </a:p>
         </p:txBody>
       </p:sp>
@@ -7835,7 +8711,7 @@
         </p:nvSpPr>
         <p:spPr>
           <a:xfrm>
-            <a:off x="2028251" y="906564"/>
+            <a:off x="3832184" y="978957"/>
             <a:ext cx="2667269" cy="812551"/>
           </a:xfrm>
           <a:prstGeom prst="rect">
@@ -8114,7 +8990,7 @@
             <a:pPr lvl="0" algn="ctr"/>
             <a:fld id="{7494FFFA-40F1-4529-AC2E-CD6341706B16}" type="datetime1">
               <a:rPr lang="en-GB" sz="1400" smtClean="0"/>
-              <a:t>24/09/2015</a:t>
+              <a:t>28/09/2015</a:t>
             </a:fld>
             <a:endParaRPr lang="en-GB" sz="1400" dirty="0"/>
           </a:p>
@@ -8574,7 +9450,7 @@
             <a:pPr lvl="0" algn="ctr"/>
             <a:fld id="{7494FFFA-40F1-4529-AC2E-CD6341706B16}" type="datetime1">
               <a:rPr lang="en-GB" sz="1400" smtClean="0"/>
-              <a:t>24/09/2015</a:t>
+              <a:t>28/09/2015</a:t>
             </a:fld>
             <a:endParaRPr lang="en-GB" sz="1400" dirty="0"/>
           </a:p>
@@ -8908,7 +9784,7 @@
             <a:pPr lvl="0" algn="ctr"/>
             <a:fld id="{7494FFFA-40F1-4529-AC2E-CD6341706B16}" type="datetime1">
               <a:rPr lang="en-GB" sz="1400" smtClean="0"/>
-              <a:t>24/09/2015</a:t>
+              <a:t>28/09/2015</a:t>
             </a:fld>
             <a:endParaRPr lang="en-GB" sz="1400" dirty="0"/>
           </a:p>
@@ -8935,6 +9811,469 @@
 </file>
 
 <file path=ppt/slides/slide6.xml><?xml version="1.0" encoding="utf-8"?>
+<p:sld xmlns:a="http://schemas.openxmlformats.org/drawingml/2006/main" xmlns:r="http://schemas.openxmlformats.org/officeDocument/2006/relationships" xmlns:p="http://schemas.openxmlformats.org/presentationml/2006/main">
+  <p:cSld>
+    <p:spTree>
+      <p:nvGrpSpPr>
+        <p:cNvPr id="1" name=""/>
+        <p:cNvGrpSpPr/>
+        <p:nvPr/>
+      </p:nvGrpSpPr>
+      <p:grpSpPr>
+        <a:xfrm>
+          <a:off x="0" y="0"/>
+          <a:ext cx="0" cy="0"/>
+          <a:chOff x="0" y="0"/>
+          <a:chExt cx="0" cy="0"/>
+        </a:xfrm>
+      </p:grpSpPr>
+      <p:pic>
+        <p:nvPicPr>
+          <p:cNvPr id="3" name="图片 2"/>
+          <p:cNvPicPr>
+            <a:picLocks noChangeAspect="1"/>
+          </p:cNvPicPr>
+          <p:nvPr/>
+        </p:nvPicPr>
+        <p:blipFill>
+          <a:blip r:embed="rId3">
+            <a:extLst>
+              <a:ext uri="{28A0092B-C50C-407E-A947-70E740481C1C}">
+                <a14:useLocalDpi xmlns:a14="http://schemas.microsoft.com/office/drawing/2010/main" val="0"/>
+              </a:ext>
+            </a:extLst>
+          </a:blip>
+          <a:stretch>
+            <a:fillRect/>
+          </a:stretch>
+        </p:blipFill>
+        <p:spPr>
+          <a:xfrm>
+            <a:off x="552450" y="787983"/>
+            <a:ext cx="9067800" cy="6300542"/>
+          </a:xfrm>
+          <a:prstGeom prst="rect">
+            <a:avLst/>
+          </a:prstGeom>
+        </p:spPr>
+      </p:pic>
+      <p:sp>
+        <p:nvSpPr>
+          <p:cNvPr id="4" name="矩形 3"/>
+          <p:cNvSpPr/>
+          <p:nvPr/>
+        </p:nvSpPr>
+        <p:spPr>
+          <a:xfrm>
+            <a:off x="1776929" y="141652"/>
+            <a:ext cx="6684843" cy="646331"/>
+          </a:xfrm>
+          <a:prstGeom prst="rect">
+            <a:avLst/>
+          </a:prstGeom>
+          <a:noFill/>
+        </p:spPr>
+        <p:txBody>
+          <a:bodyPr wrap="none">
+            <a:spAutoFit/>
+          </a:bodyPr>
+          <a:lstStyle/>
+          <a:p>
+            <a:r>
+              <a:rPr lang="en-GB" dirty="0"/>
+              <a:t> </a:t>
+            </a:r>
+            <a:r>
+              <a:rPr lang="en-GB" sz="3600" dirty="0" err="1">
+                <a:solidFill>
+                  <a:schemeClr val="bg1"/>
+                </a:solidFill>
+                <a:effectLst>
+                  <a:outerShdw blurRad="38100" dist="38100" dir="2700000" algn="tl">
+                    <a:srgbClr val="000000">
+                      <a:alpha val="43137"/>
+                    </a:srgbClr>
+                  </a:outerShdw>
+                </a:effectLst>
+              </a:rPr>
+              <a:t>Diffie</a:t>
+            </a:r>
+            <a:r>
+              <a:rPr lang="en-GB" sz="3600" dirty="0">
+                <a:solidFill>
+                  <a:schemeClr val="bg1"/>
+                </a:solidFill>
+                <a:effectLst>
+                  <a:outerShdw blurRad="38100" dist="38100" dir="2700000" algn="tl">
+                    <a:srgbClr val="000000">
+                      <a:alpha val="43137"/>
+                    </a:srgbClr>
+                  </a:outerShdw>
+                </a:effectLst>
+              </a:rPr>
+              <a:t>-Hellman Key Exchange</a:t>
+            </a:r>
+          </a:p>
+        </p:txBody>
+      </p:sp>
+      <p:sp>
+        <p:nvSpPr>
+          <p:cNvPr id="5" name="日期占位符 1"/>
+          <p:cNvSpPr>
+            <a:spLocks noGrp="1"/>
+          </p:cNvSpPr>
+          <p:nvPr>
+            <p:ph type="dt" sz="half" idx="10"/>
+          </p:nvPr>
+        </p:nvSpPr>
+        <p:spPr>
+          <a:xfrm>
+            <a:off x="7629480" y="7088525"/>
+            <a:ext cx="2334469" cy="286636"/>
+          </a:xfrm>
+        </p:spPr>
+        <p:txBody>
+          <a:bodyPr/>
+          <a:lstStyle/>
+          <a:p>
+            <a:pPr lvl="0" algn="ctr"/>
+            <a:fld id="{7494FFFA-40F1-4529-AC2E-CD6341706B16}" type="datetime1">
+              <a:rPr lang="en-GB" sz="1400" smtClean="0"/>
+              <a:t>28/09/2015</a:t>
+            </a:fld>
+            <a:endParaRPr lang="en-GB" sz="1400" dirty="0"/>
+          </a:p>
+        </p:txBody>
+      </p:sp>
+    </p:spTree>
+    <p:extLst>
+      <p:ext uri="{BB962C8B-B14F-4D97-AF65-F5344CB8AC3E}">
+        <p14:creationId xmlns:p14="http://schemas.microsoft.com/office/powerpoint/2010/main" val="2287681799"/>
+      </p:ext>
+    </p:extLst>
+  </p:cSld>
+  <p:clrMapOvr>
+    <a:masterClrMapping/>
+  </p:clrMapOvr>
+  <mc:AlternateContent xmlns:mc="http://schemas.openxmlformats.org/markup-compatibility/2006" xmlns:p14="http://schemas.microsoft.com/office/powerpoint/2010/main">
+    <mc:Choice Requires="p14">
+      <p:transition p14:dur="10"/>
+    </mc:Choice>
+    <mc:Fallback xmlns="">
+      <p:transition/>
+    </mc:Fallback>
+  </mc:AlternateContent>
+  <p:timing>
+    <p:tnLst>
+      <p:par>
+        <p:cTn id="1" dur="indefinite" restart="never" nodeType="tmRoot"/>
+      </p:par>
+    </p:tnLst>
+  </p:timing>
+</p:sld>
+</file>
+
+<file path=ppt/slides/slide7.xml><?xml version="1.0" encoding="utf-8"?>
+<p:sld xmlns:a="http://schemas.openxmlformats.org/drawingml/2006/main" xmlns:r="http://schemas.openxmlformats.org/officeDocument/2006/relationships" xmlns:p="http://schemas.openxmlformats.org/presentationml/2006/main">
+  <p:cSld>
+    <p:spTree>
+      <p:nvGrpSpPr>
+        <p:cNvPr id="1" name=""/>
+        <p:cNvGrpSpPr/>
+        <p:nvPr/>
+      </p:nvGrpSpPr>
+      <p:grpSpPr>
+        <a:xfrm>
+          <a:off x="0" y="0"/>
+          <a:ext cx="0" cy="0"/>
+          <a:chOff x="0" y="0"/>
+          <a:chExt cx="0" cy="0"/>
+        </a:xfrm>
+      </p:grpSpPr>
+      <p:pic>
+        <p:nvPicPr>
+          <p:cNvPr id="3" name="图片 2"/>
+          <p:cNvPicPr>
+            <a:picLocks noChangeAspect="1"/>
+          </p:cNvPicPr>
+          <p:nvPr/>
+        </p:nvPicPr>
+        <p:blipFill>
+          <a:blip r:embed="rId3">
+            <a:extLst>
+              <a:ext uri="{28A0092B-C50C-407E-A947-70E740481C1C}">
+                <a14:useLocalDpi xmlns:a14="http://schemas.microsoft.com/office/drawing/2010/main" val="0"/>
+              </a:ext>
+            </a:extLst>
+          </a:blip>
+          <a:stretch>
+            <a:fillRect/>
+          </a:stretch>
+        </p:blipFill>
+        <p:spPr>
+          <a:xfrm>
+            <a:off x="1281582" y="954441"/>
+            <a:ext cx="7517460" cy="5650793"/>
+          </a:xfrm>
+          <a:prstGeom prst="rect">
+            <a:avLst/>
+          </a:prstGeom>
+        </p:spPr>
+      </p:pic>
+      <p:sp>
+        <p:nvSpPr>
+          <p:cNvPr id="4" name="日期占位符 1"/>
+          <p:cNvSpPr>
+            <a:spLocks noGrp="1"/>
+          </p:cNvSpPr>
+          <p:nvPr>
+            <p:ph type="dt" sz="half" idx="10"/>
+          </p:nvPr>
+        </p:nvSpPr>
+        <p:spPr>
+          <a:xfrm>
+            <a:off x="7629480" y="7088525"/>
+            <a:ext cx="2334469" cy="286636"/>
+          </a:xfrm>
+        </p:spPr>
+        <p:txBody>
+          <a:bodyPr/>
+          <a:lstStyle/>
+          <a:p>
+            <a:pPr lvl="0" algn="ctr"/>
+            <a:fld id="{7494FFFA-40F1-4529-AC2E-CD6341706B16}" type="datetime1">
+              <a:rPr lang="en-GB" sz="1400" smtClean="0"/>
+              <a:t>28/09/2015</a:t>
+            </a:fld>
+            <a:endParaRPr lang="en-GB" sz="1400" dirty="0"/>
+          </a:p>
+        </p:txBody>
+      </p:sp>
+      <p:sp>
+        <p:nvSpPr>
+          <p:cNvPr id="5" name="矩形 4"/>
+          <p:cNvSpPr/>
+          <p:nvPr/>
+        </p:nvSpPr>
+        <p:spPr>
+          <a:xfrm>
+            <a:off x="1776929" y="141652"/>
+            <a:ext cx="6684843" cy="646331"/>
+          </a:xfrm>
+          <a:prstGeom prst="rect">
+            <a:avLst/>
+          </a:prstGeom>
+          <a:noFill/>
+        </p:spPr>
+        <p:txBody>
+          <a:bodyPr wrap="none">
+            <a:spAutoFit/>
+          </a:bodyPr>
+          <a:lstStyle/>
+          <a:p>
+            <a:r>
+              <a:rPr lang="en-GB" dirty="0"/>
+              <a:t> </a:t>
+            </a:r>
+            <a:r>
+              <a:rPr lang="en-GB" sz="3600" dirty="0" err="1">
+                <a:solidFill>
+                  <a:schemeClr val="bg1"/>
+                </a:solidFill>
+                <a:effectLst>
+                  <a:outerShdw blurRad="38100" dist="38100" dir="2700000" algn="tl">
+                    <a:srgbClr val="000000">
+                      <a:alpha val="43137"/>
+                    </a:srgbClr>
+                  </a:outerShdw>
+                </a:effectLst>
+              </a:rPr>
+              <a:t>Diffie</a:t>
+            </a:r>
+            <a:r>
+              <a:rPr lang="en-GB" sz="3600" dirty="0">
+                <a:solidFill>
+                  <a:schemeClr val="bg1"/>
+                </a:solidFill>
+                <a:effectLst>
+                  <a:outerShdw blurRad="38100" dist="38100" dir="2700000" algn="tl">
+                    <a:srgbClr val="000000">
+                      <a:alpha val="43137"/>
+                    </a:srgbClr>
+                  </a:outerShdw>
+                </a:effectLst>
+              </a:rPr>
+              <a:t>-Hellman Key Exchange</a:t>
+            </a:r>
+          </a:p>
+        </p:txBody>
+      </p:sp>
+    </p:spTree>
+    <p:extLst>
+      <p:ext uri="{BB962C8B-B14F-4D97-AF65-F5344CB8AC3E}">
+        <p14:creationId xmlns:p14="http://schemas.microsoft.com/office/powerpoint/2010/main" val="2821018059"/>
+      </p:ext>
+    </p:extLst>
+  </p:cSld>
+  <p:clrMapOvr>
+    <a:masterClrMapping/>
+  </p:clrMapOvr>
+  <p:timing>
+    <p:tnLst>
+      <p:par>
+        <p:cTn id="1" dur="indefinite" restart="never" nodeType="tmRoot"/>
+      </p:par>
+    </p:tnLst>
+  </p:timing>
+</p:sld>
+</file>
+
+<file path=ppt/slides/slide8.xml><?xml version="1.0" encoding="utf-8"?>
+<p:sld xmlns:a="http://schemas.openxmlformats.org/drawingml/2006/main" xmlns:r="http://schemas.openxmlformats.org/officeDocument/2006/relationships" xmlns:p="http://schemas.openxmlformats.org/presentationml/2006/main">
+  <p:cSld>
+    <p:spTree>
+      <p:nvGrpSpPr>
+        <p:cNvPr id="1" name=""/>
+        <p:cNvGrpSpPr/>
+        <p:nvPr/>
+      </p:nvGrpSpPr>
+      <p:grpSpPr>
+        <a:xfrm>
+          <a:off x="0" y="0"/>
+          <a:ext cx="0" cy="0"/>
+          <a:chOff x="0" y="0"/>
+          <a:chExt cx="0" cy="0"/>
+        </a:xfrm>
+      </p:grpSpPr>
+      <p:sp>
+        <p:nvSpPr>
+          <p:cNvPr id="3" name="日期占位符 1"/>
+          <p:cNvSpPr>
+            <a:spLocks noGrp="1"/>
+          </p:cNvSpPr>
+          <p:nvPr>
+            <p:ph type="dt" sz="half" idx="10"/>
+          </p:nvPr>
+        </p:nvSpPr>
+        <p:spPr>
+          <a:xfrm>
+            <a:off x="7629480" y="7088525"/>
+            <a:ext cx="2334469" cy="286636"/>
+          </a:xfrm>
+        </p:spPr>
+        <p:txBody>
+          <a:bodyPr/>
+          <a:lstStyle/>
+          <a:p>
+            <a:pPr lvl="0" algn="ctr"/>
+            <a:fld id="{7494FFFA-40F1-4529-AC2E-CD6341706B16}" type="datetime1">
+              <a:rPr lang="en-GB" sz="1400" smtClean="0"/>
+              <a:t>28/09/2015</a:t>
+            </a:fld>
+            <a:endParaRPr lang="en-GB" sz="1400" dirty="0"/>
+          </a:p>
+        </p:txBody>
+      </p:sp>
+      <p:pic>
+        <p:nvPicPr>
+          <p:cNvPr id="5" name="图片 4"/>
+          <p:cNvPicPr>
+            <a:picLocks noChangeAspect="1"/>
+          </p:cNvPicPr>
+          <p:nvPr/>
+        </p:nvPicPr>
+        <p:blipFill>
+          <a:blip r:embed="rId3">
+            <a:extLst>
+              <a:ext uri="{28A0092B-C50C-407E-A947-70E740481C1C}">
+                <a14:useLocalDpi xmlns:a14="http://schemas.microsoft.com/office/drawing/2010/main" val="0"/>
+              </a:ext>
+            </a:extLst>
+          </a:blip>
+          <a:stretch>
+            <a:fillRect/>
+          </a:stretch>
+        </p:blipFill>
+        <p:spPr>
+          <a:xfrm>
+            <a:off x="795867" y="1352791"/>
+            <a:ext cx="8543330" cy="5078115"/>
+          </a:xfrm>
+          <a:prstGeom prst="rect">
+            <a:avLst/>
+          </a:prstGeom>
+        </p:spPr>
+      </p:pic>
+      <p:sp>
+        <p:nvSpPr>
+          <p:cNvPr id="6" name="矩形 5"/>
+          <p:cNvSpPr/>
+          <p:nvPr/>
+        </p:nvSpPr>
+        <p:spPr>
+          <a:xfrm>
+            <a:off x="4008983" y="372006"/>
+            <a:ext cx="1981633" cy="646331"/>
+          </a:xfrm>
+          <a:prstGeom prst="rect">
+            <a:avLst/>
+          </a:prstGeom>
+          <a:noFill/>
+        </p:spPr>
+        <p:txBody>
+          <a:bodyPr wrap="none">
+            <a:spAutoFit/>
+          </a:bodyPr>
+          <a:lstStyle/>
+          <a:p>
+            <a:r>
+              <a:rPr lang="en-GB" dirty="0" smtClean="0"/>
+              <a:t> </a:t>
+            </a:r>
+            <a:r>
+              <a:rPr lang="en-GB" sz="3600" dirty="0" smtClean="0">
+                <a:solidFill>
+                  <a:schemeClr val="bg1"/>
+                </a:solidFill>
+                <a:effectLst>
+                  <a:outerShdw blurRad="38100" dist="38100" dir="2700000" algn="tl">
+                    <a:srgbClr val="000000">
+                      <a:alpha val="43137"/>
+                    </a:srgbClr>
+                  </a:outerShdw>
+                </a:effectLst>
+              </a:rPr>
+              <a:t>SSL Strip</a:t>
+            </a:r>
+            <a:endParaRPr lang="en-GB" sz="3600" dirty="0">
+              <a:solidFill>
+                <a:schemeClr val="bg1"/>
+              </a:solidFill>
+              <a:effectLst>
+                <a:outerShdw blurRad="38100" dist="38100" dir="2700000" algn="tl">
+                  <a:srgbClr val="000000">
+                    <a:alpha val="43137"/>
+                  </a:srgbClr>
+                </a:outerShdw>
+              </a:effectLst>
+            </a:endParaRPr>
+          </a:p>
+        </p:txBody>
+      </p:sp>
+    </p:spTree>
+    <p:extLst>
+      <p:ext uri="{BB962C8B-B14F-4D97-AF65-F5344CB8AC3E}">
+        <p14:creationId xmlns:p14="http://schemas.microsoft.com/office/powerpoint/2010/main" val="344214942"/>
+      </p:ext>
+    </p:extLst>
+  </p:cSld>
+  <p:clrMapOvr>
+    <a:masterClrMapping/>
+  </p:clrMapOvr>
+</p:sld>
+</file>
+
+<file path=ppt/slides/slide9.xml><?xml version="1.0" encoding="utf-8"?>
 <p:sld xmlns:a="http://schemas.openxmlformats.org/drawingml/2006/main" xmlns:r="http://schemas.openxmlformats.org/officeDocument/2006/relationships" xmlns:p="http://schemas.openxmlformats.org/presentationml/2006/main">
   <p:cSld name="page5">
     <p:spTree>
@@ -9062,8 +10401,8 @@
         </p:nvSpPr>
         <p:spPr>
           <a:xfrm>
-            <a:off x="2674492" y="944251"/>
-            <a:ext cx="4954988" cy="812551"/>
+            <a:off x="2420494" y="927318"/>
+            <a:ext cx="5380938" cy="812551"/>
           </a:xfrm>
           <a:prstGeom prst="rect">
             <a:avLst/>
@@ -9088,7 +10427,23 @@
                 <a:ea typeface="SimSun" pitchFamily="2"/>
                 <a:cs typeface="Lucida Sans" pitchFamily="2"/>
               </a:rPr>
-              <a:t>A important email</a:t>
+              <a:t>An Important </a:t>
+            </a:r>
+            <a:r>
+              <a:rPr lang="en-IN" sz="4800" dirty="0">
+                <a:latin typeface="Cambria" pitchFamily="18"/>
+                <a:ea typeface="SimSun" pitchFamily="2"/>
+                <a:cs typeface="Lucida Sans" pitchFamily="2"/>
+              </a:rPr>
+              <a:t>E</a:t>
+            </a:r>
+            <a:r>
+              <a:rPr lang="en-IN" sz="4800" dirty="0" smtClean="0">
+                <a:latin typeface="Cambria" pitchFamily="18"/>
+                <a:ea typeface="SimSun" pitchFamily="2"/>
+                <a:cs typeface="Lucida Sans" pitchFamily="2"/>
+              </a:rPr>
+              <a:t>mail</a:t>
             </a:r>
             <a:endParaRPr lang="en-IN" sz="4800" dirty="0">
               <a:latin typeface="Cambria" pitchFamily="18"/>
@@ -9107,7 +10462,7 @@
         <p:spPr>
           <a:xfrm>
             <a:off x="1445760" y="3242156"/>
-            <a:ext cx="2891535" cy="1353725"/>
+            <a:ext cx="4421640" cy="1353725"/>
           </a:xfrm>
           <a:prstGeom prst="rect">
             <a:avLst/>
@@ -9146,7 +10501,7 @@
                 <a:ea typeface="SimSun" pitchFamily="2"/>
                 <a:cs typeface="Lucida Sans" pitchFamily="2"/>
               </a:rPr>
-              <a:t>Phishing BIF</a:t>
+              <a:t>Phishing BIF’s dealers</a:t>
             </a:r>
           </a:p>
           <a:p>
@@ -9239,7 +10594,7 @@
             <a:pPr lvl="0" algn="ctr"/>
             <a:fld id="{7494FFFA-40F1-4529-AC2E-CD6341706B16}" type="datetime1">
               <a:rPr lang="en-GB" sz="1400" smtClean="0"/>
-              <a:t>24/09/2015</a:t>
+              <a:t>28/09/2015</a:t>
             </a:fld>
             <a:endParaRPr lang="en-GB" sz="1400" dirty="0"/>
           </a:p>
@@ -9265,392 +10620,6 @@
       </p:par>
     </p:tnLst>
   </p:timing>
-</p:sld>
-</file>
-
-<file path=ppt/slides/slide7.xml><?xml version="1.0" encoding="utf-8"?>
-<p:sld xmlns:a="http://schemas.openxmlformats.org/drawingml/2006/main" xmlns:r="http://schemas.openxmlformats.org/officeDocument/2006/relationships" xmlns:p="http://schemas.openxmlformats.org/presentationml/2006/main">
-  <p:cSld>
-    <p:spTree>
-      <p:nvGrpSpPr>
-        <p:cNvPr id="1" name=""/>
-        <p:cNvGrpSpPr/>
-        <p:nvPr/>
-      </p:nvGrpSpPr>
-      <p:grpSpPr>
-        <a:xfrm>
-          <a:off x="0" y="0"/>
-          <a:ext cx="0" cy="0"/>
-          <a:chOff x="0" y="0"/>
-          <a:chExt cx="0" cy="0"/>
-        </a:xfrm>
-      </p:grpSpPr>
-      <p:sp>
-        <p:nvSpPr>
-          <p:cNvPr id="4" name="任意多边形 3"/>
-          <p:cNvSpPr/>
-          <p:nvPr/>
-        </p:nvSpPr>
-        <p:spPr>
-          <a:xfrm>
-            <a:off x="1445760" y="360707"/>
-            <a:ext cx="7019640" cy="1979640"/>
-          </a:xfrm>
-          <a:custGeom>
-            <a:avLst/>
-            <a:gdLst/>
-            <a:ahLst/>
-            <a:cxnLst>
-              <a:cxn ang="3cd4">
-                <a:pos x="hc" y="t"/>
-              </a:cxn>
-              <a:cxn ang="cd2">
-                <a:pos x="l" y="vc"/>
-              </a:cxn>
-              <a:cxn ang="cd4">
-                <a:pos x="hc" y="b"/>
-              </a:cxn>
-              <a:cxn ang="0">
-                <a:pos x="r" y="vc"/>
-              </a:cxn>
-            </a:cxnLst>
-            <a:rect l="l" t="t" r="r" b="b"/>
-            <a:pathLst>
-              <a:path w="19500" h="5500">
-                <a:moveTo>
-                  <a:pt x="0" y="5500"/>
-                </a:moveTo>
-                <a:cubicBezTo>
-                  <a:pt x="0" y="3667"/>
-                  <a:pt x="0" y="1833"/>
-                  <a:pt x="0" y="0"/>
-                </a:cubicBezTo>
-                <a:cubicBezTo>
-                  <a:pt x="6500" y="0"/>
-                  <a:pt x="13000" y="0"/>
-                  <a:pt x="19500" y="0"/>
-                </a:cubicBezTo>
-                <a:cubicBezTo>
-                  <a:pt x="19500" y="1833"/>
-                  <a:pt x="19500" y="3667"/>
-                  <a:pt x="19500" y="5500"/>
-                </a:cubicBezTo>
-                <a:cubicBezTo>
-                  <a:pt x="13000" y="5500"/>
-                  <a:pt x="6500" y="5500"/>
-                  <a:pt x="0" y="5500"/>
-                </a:cubicBezTo>
-                <a:close/>
-              </a:path>
-            </a:pathLst>
-          </a:custGeom>
-          <a:solidFill>
-            <a:srgbClr val="004586"/>
-          </a:solidFill>
-          <a:ln w="0">
-            <a:solidFill>
-              <a:srgbClr val="000000"/>
-            </a:solidFill>
-            <a:prstDash val="solid"/>
-            <a:round/>
-          </a:ln>
-          <a:effectLst>
-            <a:outerShdw dist="152735" dir="2700000" algn="tl">
-              <a:srgbClr val="808080"/>
-            </a:outerShdw>
-          </a:effectLst>
-        </p:spPr>
-        <p:txBody>
-          <a:bodyPr vert="horz" wrap="none" lIns="90000" tIns="45000" rIns="90000" bIns="45000" anchor="ctr" anchorCtr="1" compatLnSpc="0"/>
-          <a:lstStyle/>
-          <a:p>
-            <a:pPr marL="0" marR="0" lvl="0" indent="0" rtl="0" hangingPunct="0">
-              <a:lnSpc>
-                <a:spcPct val="100000"/>
-              </a:lnSpc>
-              <a:spcBef>
-                <a:spcPts val="0"/>
-              </a:spcBef>
-              <a:spcAft>
-                <a:spcPts val="0"/>
-              </a:spcAft>
-              <a:buNone/>
-              <a:tabLst/>
-            </a:pPr>
-            <a:endParaRPr lang="en-IN" sz="1800" b="0" i="0" u="none" strike="noStrike" kern="1200">
-              <a:ln>
-                <a:noFill/>
-              </a:ln>
-              <a:latin typeface="Arial" pitchFamily="18"/>
-              <a:ea typeface="SimSun" pitchFamily="2"/>
-              <a:cs typeface="Lucida Sans" pitchFamily="2"/>
-            </a:endParaRPr>
-          </a:p>
-        </p:txBody>
-      </p:sp>
-      <p:sp>
-        <p:nvSpPr>
-          <p:cNvPr id="5" name="文本框 4"/>
-          <p:cNvSpPr txBox="1"/>
-          <p:nvPr/>
-        </p:nvSpPr>
-        <p:spPr>
-          <a:xfrm>
-            <a:off x="3449506" y="944251"/>
-            <a:ext cx="3012148" cy="812551"/>
-          </a:xfrm>
-          <a:prstGeom prst="rect">
-            <a:avLst/>
-          </a:prstGeom>
-          <a:noFill/>
-          <a:ln>
-            <a:noFill/>
-          </a:ln>
-        </p:spPr>
-        <p:txBody>
-          <a:bodyPr vert="horz" wrap="none" lIns="90000" tIns="45000" rIns="90000" bIns="45000" anchorCtr="0" compatLnSpc="0">
-            <a:spAutoFit/>
-          </a:bodyPr>
-          <a:lstStyle/>
-          <a:p>
-            <a:pPr lvl="0" hangingPunct="0">
-              <a:defRPr sz="2200"/>
-            </a:pPr>
-            <a:r>
-              <a:rPr lang="en-IN" sz="4800" dirty="0" smtClean="0">
-                <a:latin typeface="Cambria" pitchFamily="18"/>
-                <a:ea typeface="SimSun" pitchFamily="2"/>
-                <a:cs typeface="Lucida Sans" pitchFamily="2"/>
-              </a:rPr>
-              <a:t>Real world</a:t>
-            </a:r>
-            <a:endParaRPr lang="en-IN" sz="4800" dirty="0">
-              <a:latin typeface="Cambria" pitchFamily="18"/>
-              <a:ea typeface="SimSun" pitchFamily="2"/>
-              <a:cs typeface="Lucida Sans" pitchFamily="2"/>
-            </a:endParaRPr>
-          </a:p>
-        </p:txBody>
-      </p:sp>
-      <p:sp>
-        <p:nvSpPr>
-          <p:cNvPr id="6" name="文本框 5"/>
-          <p:cNvSpPr txBox="1"/>
-          <p:nvPr/>
-        </p:nvSpPr>
-        <p:spPr>
-          <a:xfrm>
-            <a:off x="1445760" y="3155522"/>
-            <a:ext cx="5154914" cy="3801510"/>
-          </a:xfrm>
-          <a:prstGeom prst="rect">
-            <a:avLst/>
-          </a:prstGeom>
-          <a:noFill/>
-          <a:ln>
-            <a:noFill/>
-          </a:ln>
-        </p:spPr>
-        <p:txBody>
-          <a:bodyPr vert="horz" wrap="none" lIns="90000" tIns="45000" rIns="90000" bIns="45000" anchorCtr="0" compatLnSpc="0">
-            <a:spAutoFit/>
-          </a:bodyPr>
-          <a:lstStyle/>
-          <a:p>
-            <a:pPr marL="457200" marR="0" lvl="0" indent="-457200" rtl="0" hangingPunct="0">
-              <a:lnSpc>
-                <a:spcPct val="150000"/>
-              </a:lnSpc>
-              <a:spcBef>
-                <a:spcPts val="0"/>
-              </a:spcBef>
-              <a:spcAft>
-                <a:spcPts val="0"/>
-              </a:spcAft>
-              <a:buFont typeface="Wingdings" panose="05000000000000000000" pitchFamily="2" charset="2"/>
-              <a:buChar char="Ø"/>
-              <a:tabLst/>
-            </a:pPr>
-            <a:r>
-              <a:rPr lang="en-IN" sz="2800" dirty="0" smtClean="0">
-                <a:solidFill>
-                  <a:srgbClr val="FFFFFF"/>
-                </a:solidFill>
-                <a:latin typeface="Cambria" pitchFamily="18"/>
-                <a:ea typeface="SimSun" pitchFamily="2"/>
-                <a:cs typeface="Lucida Sans" pitchFamily="2"/>
-              </a:rPr>
-              <a:t>Bank Of IRL project</a:t>
-            </a:r>
-          </a:p>
-          <a:p>
-            <a:pPr marL="914400" lvl="1" indent="-457200" hangingPunct="0">
-              <a:lnSpc>
-                <a:spcPct val="150000"/>
-              </a:lnSpc>
-              <a:buFont typeface="Arial" panose="020B0604020202020204" pitchFamily="34" charset="0"/>
-              <a:buChar char="•"/>
-            </a:pPr>
-            <a:r>
-              <a:rPr lang="en-IN" sz="2800" b="0" i="0" u="none" strike="noStrike" kern="1200" dirty="0" smtClean="0">
-                <a:ln>
-                  <a:noFill/>
-                </a:ln>
-                <a:solidFill>
-                  <a:srgbClr val="FFFFFF"/>
-                </a:solidFill>
-                <a:latin typeface="Cambria" pitchFamily="18"/>
-                <a:ea typeface="SimSun" pitchFamily="2"/>
-                <a:cs typeface="Lucida Sans" pitchFamily="2"/>
-              </a:rPr>
-              <a:t>Download XML as a dealer</a:t>
-            </a:r>
-          </a:p>
-          <a:p>
-            <a:pPr marL="914400" lvl="1" indent="-457200" hangingPunct="0">
-              <a:lnSpc>
-                <a:spcPct val="150000"/>
-              </a:lnSpc>
-              <a:buFont typeface="Arial" panose="020B0604020202020204" pitchFamily="34" charset="0"/>
-              <a:buChar char="•"/>
-            </a:pPr>
-            <a:r>
-              <a:rPr lang="en-IN" sz="2800" dirty="0" smtClean="0">
-                <a:solidFill>
-                  <a:srgbClr val="FFFFFF"/>
-                </a:solidFill>
-                <a:latin typeface="Cambria" pitchFamily="18"/>
-                <a:ea typeface="SimSun" pitchFamily="2"/>
-                <a:cs typeface="Lucida Sans" pitchFamily="2"/>
-              </a:rPr>
-              <a:t>Log plain text password</a:t>
-            </a:r>
-          </a:p>
-          <a:p>
-            <a:pPr marL="457200" marR="0" lvl="0" indent="-457200" rtl="0" hangingPunct="0">
-              <a:lnSpc>
-                <a:spcPct val="150000"/>
-              </a:lnSpc>
-              <a:spcBef>
-                <a:spcPts val="0"/>
-              </a:spcBef>
-              <a:spcAft>
-                <a:spcPts val="0"/>
-              </a:spcAft>
-              <a:buFont typeface="Wingdings" panose="05000000000000000000" pitchFamily="2" charset="2"/>
-              <a:buChar char="Ø"/>
-              <a:tabLst/>
-            </a:pPr>
-            <a:r>
-              <a:rPr lang="en-IN" sz="2800" b="0" i="0" u="none" strike="noStrike" kern="1200" dirty="0" smtClean="0">
-                <a:ln>
-                  <a:noFill/>
-                </a:ln>
-                <a:solidFill>
-                  <a:srgbClr val="FFFFFF"/>
-                </a:solidFill>
-                <a:latin typeface="Cambria" pitchFamily="18"/>
-                <a:ea typeface="SimSun" pitchFamily="2"/>
-                <a:cs typeface="Lucida Sans" pitchFamily="2"/>
-              </a:rPr>
-              <a:t>Personal accounts</a:t>
-            </a:r>
-          </a:p>
-          <a:p>
-            <a:pPr marL="914400" lvl="1" indent="-457200" hangingPunct="0">
-              <a:lnSpc>
-                <a:spcPct val="150000"/>
-              </a:lnSpc>
-              <a:buFont typeface="Arial" panose="020B0604020202020204" pitchFamily="34" charset="0"/>
-              <a:buChar char="•"/>
-            </a:pPr>
-            <a:r>
-              <a:rPr lang="en-IN" sz="2800" dirty="0" smtClean="0">
-                <a:solidFill>
-                  <a:srgbClr val="FFFFFF"/>
-                </a:solidFill>
-                <a:latin typeface="Cambria" pitchFamily="18"/>
-                <a:ea typeface="SimSun" pitchFamily="2"/>
-                <a:cs typeface="Lucida Sans" pitchFamily="2"/>
-              </a:rPr>
-              <a:t>Weak passwords</a:t>
-            </a:r>
-          </a:p>
-          <a:p>
-            <a:pPr marL="914400" lvl="1" indent="-457200" hangingPunct="0">
-              <a:lnSpc>
-                <a:spcPct val="150000"/>
-              </a:lnSpc>
-              <a:buFont typeface="Arial" panose="020B0604020202020204" pitchFamily="34" charset="0"/>
-              <a:buChar char="•"/>
-            </a:pPr>
-            <a:r>
-              <a:rPr lang="en-IN" sz="2800" b="0" i="0" u="none" strike="noStrike" kern="1200" dirty="0" smtClean="0">
-                <a:ln>
-                  <a:noFill/>
-                </a:ln>
-                <a:solidFill>
-                  <a:srgbClr val="FFFFFF"/>
-                </a:solidFill>
-                <a:latin typeface="Cambria" pitchFamily="18"/>
-                <a:ea typeface="SimSun" pitchFamily="2"/>
-                <a:cs typeface="Lucida Sans" pitchFamily="2"/>
-              </a:rPr>
-              <a:t>Phishing emails</a:t>
-            </a:r>
-            <a:endParaRPr lang="en-IN" sz="2800" b="0" i="0" u="none" strike="noStrike" kern="1200" dirty="0">
-              <a:ln>
-                <a:noFill/>
-              </a:ln>
-              <a:solidFill>
-                <a:srgbClr val="FFFFFF"/>
-              </a:solidFill>
-              <a:latin typeface="Cambria" pitchFamily="18"/>
-              <a:ea typeface="SimSun" pitchFamily="2"/>
-              <a:cs typeface="Lucida Sans" pitchFamily="2"/>
-            </a:endParaRPr>
-          </a:p>
-        </p:txBody>
-      </p:sp>
-      <p:sp>
-        <p:nvSpPr>
-          <p:cNvPr id="7" name="日期占位符 1"/>
-          <p:cNvSpPr>
-            <a:spLocks noGrp="1"/>
-          </p:cNvSpPr>
-          <p:nvPr>
-            <p:ph type="dt" sz="half" idx="10"/>
-          </p:nvPr>
-        </p:nvSpPr>
-        <p:spPr>
-          <a:xfrm>
-            <a:off x="7629480" y="7088525"/>
-            <a:ext cx="2334469" cy="286636"/>
-          </a:xfrm>
-        </p:spPr>
-        <p:txBody>
-          <a:bodyPr/>
-          <a:lstStyle/>
-          <a:p>
-            <a:pPr lvl="0" algn="ctr"/>
-            <a:fld id="{7494FFFA-40F1-4529-AC2E-CD6341706B16}" type="datetime1">
-              <a:rPr lang="en-GB" sz="1400" smtClean="0"/>
-              <a:t>24/09/2015</a:t>
-            </a:fld>
-            <a:endParaRPr lang="en-GB" sz="1400" dirty="0"/>
-          </a:p>
-        </p:txBody>
-      </p:sp>
-    </p:spTree>
-    <p:extLst>
-      <p:ext uri="{BB962C8B-B14F-4D97-AF65-F5344CB8AC3E}">
-        <p14:creationId xmlns:p14="http://schemas.microsoft.com/office/powerpoint/2010/main" val="3566024286"/>
-      </p:ext>
-    </p:extLst>
-  </p:cSld>
-  <p:clrMapOvr>
-    <a:masterClrMapping/>
-  </p:clrMapOvr>
 </p:sld>
 </file>
 
